--- a/results/figures/pptx/impact_sexual_reproductive_health.pptx
+++ b/results/figures/pptx/impact_sexual_reproductive_health.pptx
@@ -2314,7 +2314,7 @@
           </p:nvSpPr>
           <p:spPr>
             <a:xfrm>
-              <a:off x="1084970" y="3972754"/>
+              <a:off x="1084970" y="3755327"/>
               <a:ext cx="3699694" cy="0"/>
             </a:xfrm>
             <a:custGeom>
@@ -2357,7 +2357,7 @@
           </p:nvSpPr>
           <p:spPr>
             <a:xfrm>
-              <a:off x="1084970" y="3389133"/>
+              <a:off x="1084970" y="2954278"/>
               <a:ext cx="3699694" cy="0"/>
             </a:xfrm>
             <a:custGeom>
@@ -2400,7 +2400,7 @@
           </p:nvSpPr>
           <p:spPr>
             <a:xfrm>
-              <a:off x="1084970" y="2805511"/>
+              <a:off x="1084970" y="2153228"/>
               <a:ext cx="3699694" cy="0"/>
             </a:xfrm>
             <a:custGeom>
@@ -2437,13 +2437,957 @@
         </p:sp>
         <p:sp>
           <p:nvSpPr>
-            <p:cNvPr id="8" name="pl8"/>
-            <p:cNvSpPr/>
-            <p:nvPr/>
-          </p:nvSpPr>
-          <p:spPr>
-            <a:xfrm>
-              <a:off x="1084970" y="2221890"/>
+            <p:cNvPr id="8" name="rc8"/>
+            <p:cNvSpPr/>
+            <p:nvPr/>
+          </p:nvSpPr>
+          <p:spPr>
+            <a:xfrm>
+              <a:off x="1152648" y="4075746"/>
+              <a:ext cx="406064" cy="480629"/>
+            </a:xfrm>
+            <a:prstGeom prst="rect">
+              <a:avLst/>
+            </a:prstGeom>
+            <a:solidFill>
+              <a:srgbClr val="B0BEC5">
+                <a:alpha val="100000"/>
+              </a:srgbClr>
+            </a:solidFill>
+          </p:spPr>
+          <p:txBody>
+            <a:bodyPr/>
+            <a:lstStyle/>
+            <a:p/>
+          </p:txBody>
+        </p:sp>
+        <p:sp>
+          <p:nvSpPr>
+            <p:cNvPr id="9" name="rc9"/>
+            <p:cNvSpPr/>
+            <p:nvPr/>
+          </p:nvSpPr>
+          <p:spPr>
+            <a:xfrm>
+              <a:off x="1603830" y="2513701"/>
+              <a:ext cx="406064" cy="2042675"/>
+            </a:xfrm>
+            <a:prstGeom prst="rect">
+              <a:avLst/>
+            </a:prstGeom>
+            <a:solidFill>
+              <a:srgbClr val="B0BEC5">
+                <a:alpha val="100000"/>
+              </a:srgbClr>
+            </a:solidFill>
+          </p:spPr>
+          <p:txBody>
+            <a:bodyPr/>
+            <a:lstStyle/>
+            <a:p/>
+          </p:txBody>
+        </p:sp>
+        <p:sp>
+          <p:nvSpPr>
+            <p:cNvPr id="10" name="rc10"/>
+            <p:cNvSpPr/>
+            <p:nvPr/>
+          </p:nvSpPr>
+          <p:spPr>
+            <a:xfrm>
+              <a:off x="2055012" y="4316061"/>
+              <a:ext cx="406064" cy="240314"/>
+            </a:xfrm>
+            <a:prstGeom prst="rect">
+              <a:avLst/>
+            </a:prstGeom>
+            <a:solidFill>
+              <a:srgbClr val="B0BEC5">
+                <a:alpha val="100000"/>
+              </a:srgbClr>
+            </a:solidFill>
+          </p:spPr>
+          <p:txBody>
+            <a:bodyPr/>
+            <a:lstStyle/>
+            <a:p/>
+          </p:txBody>
+        </p:sp>
+        <p:sp>
+          <p:nvSpPr>
+            <p:cNvPr id="11" name="rc11"/>
+            <p:cNvSpPr/>
+            <p:nvPr/>
+          </p:nvSpPr>
+          <p:spPr>
+            <a:xfrm>
+              <a:off x="2506194" y="3154540"/>
+              <a:ext cx="406064" cy="1401835"/>
+            </a:xfrm>
+            <a:prstGeom prst="rect">
+              <a:avLst/>
+            </a:prstGeom>
+            <a:solidFill>
+              <a:srgbClr val="2196F3">
+                <a:alpha val="100000"/>
+              </a:srgbClr>
+            </a:solidFill>
+          </p:spPr>
+          <p:txBody>
+            <a:bodyPr/>
+            <a:lstStyle/>
+            <a:p/>
+          </p:txBody>
+        </p:sp>
+        <p:sp>
+          <p:nvSpPr>
+            <p:cNvPr id="12" name="rc12"/>
+            <p:cNvSpPr/>
+            <p:nvPr/>
+          </p:nvSpPr>
+          <p:spPr>
+            <a:xfrm>
+              <a:off x="2957376" y="4396166"/>
+              <a:ext cx="406064" cy="160209"/>
+            </a:xfrm>
+            <a:prstGeom prst="rect">
+              <a:avLst/>
+            </a:prstGeom>
+            <a:solidFill>
+              <a:srgbClr val="8BC34A">
+                <a:alpha val="100000"/>
+              </a:srgbClr>
+            </a:solidFill>
+          </p:spPr>
+          <p:txBody>
+            <a:bodyPr/>
+            <a:lstStyle/>
+            <a:p/>
+          </p:txBody>
+        </p:sp>
+        <p:sp>
+          <p:nvSpPr>
+            <p:cNvPr id="13" name="rc13"/>
+            <p:cNvSpPr/>
+            <p:nvPr/>
+          </p:nvSpPr>
+          <p:spPr>
+            <a:xfrm>
+              <a:off x="3408559" y="4235956"/>
+              <a:ext cx="406064" cy="320419"/>
+            </a:xfrm>
+            <a:prstGeom prst="rect">
+              <a:avLst/>
+            </a:prstGeom>
+            <a:solidFill>
+              <a:srgbClr val="FFC107">
+                <a:alpha val="100000"/>
+              </a:srgbClr>
+            </a:solidFill>
+          </p:spPr>
+          <p:txBody>
+            <a:bodyPr/>
+            <a:lstStyle/>
+            <a:p/>
+          </p:txBody>
+        </p:sp>
+        <p:sp>
+          <p:nvSpPr>
+            <p:cNvPr id="14" name="rc14"/>
+            <p:cNvSpPr/>
+            <p:nvPr/>
+          </p:nvSpPr>
+          <p:spPr>
+            <a:xfrm>
+              <a:off x="3859741" y="4035694"/>
+              <a:ext cx="406064" cy="520681"/>
+            </a:xfrm>
+            <a:prstGeom prst="rect">
+              <a:avLst/>
+            </a:prstGeom>
+            <a:solidFill>
+              <a:srgbClr val="FF9800">
+                <a:alpha val="100000"/>
+              </a:srgbClr>
+            </a:solidFill>
+          </p:spPr>
+          <p:txBody>
+            <a:bodyPr/>
+            <a:lstStyle/>
+            <a:p/>
+          </p:txBody>
+        </p:sp>
+        <p:sp>
+          <p:nvSpPr>
+            <p:cNvPr id="15" name="rc15"/>
+            <p:cNvSpPr/>
+            <p:nvPr/>
+          </p:nvSpPr>
+          <p:spPr>
+            <a:xfrm>
+              <a:off x="4310923" y="3875484"/>
+              <a:ext cx="406064" cy="680891"/>
+            </a:xfrm>
+            <a:prstGeom prst="rect">
+              <a:avLst/>
+            </a:prstGeom>
+            <a:solidFill>
+              <a:srgbClr val="F44336">
+                <a:alpha val="100000"/>
+              </a:srgbClr>
+            </a:solidFill>
+          </p:spPr>
+          <p:txBody>
+            <a:bodyPr/>
+            <a:lstStyle/>
+            <a:p/>
+          </p:txBody>
+        </p:sp>
+        <p:sp>
+          <p:nvSpPr>
+            <p:cNvPr id="16" name="tx16"/>
+            <p:cNvSpPr/>
+            <p:nvPr/>
+          </p:nvSpPr>
+          <p:spPr>
+            <a:xfrm>
+              <a:off x="1275293" y="3607919"/>
+              <a:ext cx="160772" cy="103888"/>
+            </a:xfrm>
+            <a:prstGeom prst="rect">
+              <a:avLst/>
+            </a:prstGeom>
+            <a:noFill/>
+          </p:spPr>
+          <p:txBody>
+            <a:bodyPr lIns="0" rIns="0" tIns="0" bIns="0" anchorCtr="1" anchor="ctr" wrap="none"/>
+            <a:lstStyle/>
+            <a:p>
+              <a:pPr algn="l" marL="0" marR="0" indent="0">
+                <a:lnSpc>
+                  <a:spcPts val="1138"/>
+                </a:lnSpc>
+                <a:spcBef>
+                  <a:spcPts val="0"/>
+                </a:spcBef>
+                <a:spcAft>
+                  <a:spcPts val="0"/>
+                </a:spcAft>
+              </a:pPr>
+              <a:r>
+                <a:rPr sz="1138">
+                  <a:solidFill>
+                    <a:srgbClr val="000000">
+                      <a:alpha val="100000"/>
+                    </a:srgbClr>
+                  </a:solidFill>
+                  <a:latin typeface="Arial"/>
+                  <a:cs typeface="Arial"/>
+                </a:rPr>
+                <a:t>12</a:t>
+              </a:r>
+            </a:p>
+          </p:txBody>
+        </p:sp>
+        <p:sp>
+          <p:nvSpPr>
+            <p:cNvPr id="17" name="tx17"/>
+            <p:cNvSpPr/>
+            <p:nvPr/>
+          </p:nvSpPr>
+          <p:spPr>
+            <a:xfrm>
+              <a:off x="1203094" y="3784298"/>
+              <a:ext cx="305171" cy="135647"/>
+            </a:xfrm>
+            <a:prstGeom prst="rect">
+              <a:avLst/>
+            </a:prstGeom>
+            <a:noFill/>
+          </p:spPr>
+          <p:txBody>
+            <a:bodyPr lIns="0" rIns="0" tIns="0" bIns="0" anchorCtr="1" anchor="ctr" wrap="none"/>
+            <a:lstStyle/>
+            <a:p>
+              <a:pPr algn="l" marL="0" marR="0" indent="0">
+                <a:lnSpc>
+                  <a:spcPts val="1138"/>
+                </a:lnSpc>
+                <a:spcBef>
+                  <a:spcPts val="0"/>
+                </a:spcBef>
+                <a:spcAft>
+                  <a:spcPts val="0"/>
+                </a:spcAft>
+              </a:pPr>
+              <a:r>
+                <a:rPr sz="1138">
+                  <a:solidFill>
+                    <a:srgbClr val="000000">
+                      <a:alpha val="100000"/>
+                    </a:srgbClr>
+                  </a:solidFill>
+                  <a:latin typeface="Arial"/>
+                  <a:cs typeface="Arial"/>
+                </a:rPr>
+                <a:t>(8%)</a:t>
+              </a:r>
+            </a:p>
+          </p:txBody>
+        </p:sp>
+        <p:sp>
+          <p:nvSpPr>
+            <p:cNvPr id="18" name="tx18"/>
+            <p:cNvSpPr/>
+            <p:nvPr/>
+          </p:nvSpPr>
+          <p:spPr>
+            <a:xfrm>
+              <a:off x="1726475" y="2044109"/>
+              <a:ext cx="160772" cy="105652"/>
+            </a:xfrm>
+            <a:prstGeom prst="rect">
+              <a:avLst/>
+            </a:prstGeom>
+            <a:noFill/>
+          </p:spPr>
+          <p:txBody>
+            <a:bodyPr lIns="0" rIns="0" tIns="0" bIns="0" anchorCtr="1" anchor="ctr" wrap="none"/>
+            <a:lstStyle/>
+            <a:p>
+              <a:pPr algn="l" marL="0" marR="0" indent="0">
+                <a:lnSpc>
+                  <a:spcPts val="1138"/>
+                </a:lnSpc>
+                <a:spcBef>
+                  <a:spcPts val="0"/>
+                </a:spcBef>
+                <a:spcAft>
+                  <a:spcPts val="0"/>
+                </a:spcAft>
+              </a:pPr>
+              <a:r>
+                <a:rPr sz="1138">
+                  <a:solidFill>
+                    <a:srgbClr val="000000">
+                      <a:alpha val="100000"/>
+                    </a:srgbClr>
+                  </a:solidFill>
+                  <a:latin typeface="Arial"/>
+                  <a:cs typeface="Arial"/>
+                </a:rPr>
+                <a:t>51</a:t>
+              </a:r>
+            </a:p>
+          </p:txBody>
+        </p:sp>
+        <p:sp>
+          <p:nvSpPr>
+            <p:cNvPr id="19" name="tx19"/>
+            <p:cNvSpPr/>
+            <p:nvPr/>
+          </p:nvSpPr>
+          <p:spPr>
+            <a:xfrm>
+              <a:off x="1614083" y="2222252"/>
+              <a:ext cx="385557" cy="135647"/>
+            </a:xfrm>
+            <a:prstGeom prst="rect">
+              <a:avLst/>
+            </a:prstGeom>
+            <a:noFill/>
+          </p:spPr>
+          <p:txBody>
+            <a:bodyPr lIns="0" rIns="0" tIns="0" bIns="0" anchorCtr="1" anchor="ctr" wrap="none"/>
+            <a:lstStyle/>
+            <a:p>
+              <a:pPr algn="l" marL="0" marR="0" indent="0">
+                <a:lnSpc>
+                  <a:spcPts val="1138"/>
+                </a:lnSpc>
+                <a:spcBef>
+                  <a:spcPts val="0"/>
+                </a:spcBef>
+                <a:spcAft>
+                  <a:spcPts val="0"/>
+                </a:spcAft>
+              </a:pPr>
+              <a:r>
+                <a:rPr sz="1138">
+                  <a:solidFill>
+                    <a:srgbClr val="000000">
+                      <a:alpha val="100000"/>
+                    </a:srgbClr>
+                  </a:solidFill>
+                  <a:latin typeface="Arial"/>
+                  <a:cs typeface="Arial"/>
+                </a:rPr>
+                <a:t>(35%)</a:t>
+              </a:r>
+            </a:p>
+          </p:txBody>
+        </p:sp>
+        <p:sp>
+          <p:nvSpPr>
+            <p:cNvPr id="20" name="tx20"/>
+            <p:cNvSpPr/>
+            <p:nvPr/>
+          </p:nvSpPr>
+          <p:spPr>
+            <a:xfrm>
+              <a:off x="2217851" y="3846470"/>
+              <a:ext cx="80386" cy="105652"/>
+            </a:xfrm>
+            <a:prstGeom prst="rect">
+              <a:avLst/>
+            </a:prstGeom>
+            <a:noFill/>
+          </p:spPr>
+          <p:txBody>
+            <a:bodyPr lIns="0" rIns="0" tIns="0" bIns="0" anchorCtr="1" anchor="ctr" wrap="none"/>
+            <a:lstStyle/>
+            <a:p>
+              <a:pPr algn="l" marL="0" marR="0" indent="0">
+                <a:lnSpc>
+                  <a:spcPts val="1138"/>
+                </a:lnSpc>
+                <a:spcBef>
+                  <a:spcPts val="0"/>
+                </a:spcBef>
+                <a:spcAft>
+                  <a:spcPts val="0"/>
+                </a:spcAft>
+              </a:pPr>
+              <a:r>
+                <a:rPr sz="1138">
+                  <a:solidFill>
+                    <a:srgbClr val="000000">
+                      <a:alpha val="100000"/>
+                    </a:srgbClr>
+                  </a:solidFill>
+                  <a:latin typeface="Arial"/>
+                  <a:cs typeface="Arial"/>
+                </a:rPr>
+                <a:t>6</a:t>
+              </a:r>
+            </a:p>
+          </p:txBody>
+        </p:sp>
+        <p:sp>
+          <p:nvSpPr>
+            <p:cNvPr id="21" name="tx21"/>
+            <p:cNvSpPr/>
+            <p:nvPr/>
+          </p:nvSpPr>
+          <p:spPr>
+            <a:xfrm>
+              <a:off x="2105458" y="4024613"/>
+              <a:ext cx="305171" cy="135647"/>
+            </a:xfrm>
+            <a:prstGeom prst="rect">
+              <a:avLst/>
+            </a:prstGeom>
+            <a:noFill/>
+          </p:spPr>
+          <p:txBody>
+            <a:bodyPr lIns="0" rIns="0" tIns="0" bIns="0" anchorCtr="1" anchor="ctr" wrap="none"/>
+            <a:lstStyle/>
+            <a:p>
+              <a:pPr algn="l" marL="0" marR="0" indent="0">
+                <a:lnSpc>
+                  <a:spcPts val="1138"/>
+                </a:lnSpc>
+                <a:spcBef>
+                  <a:spcPts val="0"/>
+                </a:spcBef>
+                <a:spcAft>
+                  <a:spcPts val="0"/>
+                </a:spcAft>
+              </a:pPr>
+              <a:r>
+                <a:rPr sz="1138">
+                  <a:solidFill>
+                    <a:srgbClr val="000000">
+                      <a:alpha val="100000"/>
+                    </a:srgbClr>
+                  </a:solidFill>
+                  <a:latin typeface="Arial"/>
+                  <a:cs typeface="Arial"/>
+                </a:rPr>
+                <a:t>(4%)</a:t>
+              </a:r>
+            </a:p>
+          </p:txBody>
+        </p:sp>
+        <p:sp>
+          <p:nvSpPr>
+            <p:cNvPr id="22" name="tx22"/>
+            <p:cNvSpPr/>
+            <p:nvPr/>
+          </p:nvSpPr>
+          <p:spPr>
+            <a:xfrm>
+              <a:off x="2628840" y="2684878"/>
+              <a:ext cx="160772" cy="105723"/>
+            </a:xfrm>
+            <a:prstGeom prst="rect">
+              <a:avLst/>
+            </a:prstGeom>
+            <a:noFill/>
+          </p:spPr>
+          <p:txBody>
+            <a:bodyPr lIns="0" rIns="0" tIns="0" bIns="0" anchorCtr="1" anchor="ctr" wrap="none"/>
+            <a:lstStyle/>
+            <a:p>
+              <a:pPr algn="l" marL="0" marR="0" indent="0">
+                <a:lnSpc>
+                  <a:spcPts val="1138"/>
+                </a:lnSpc>
+                <a:spcBef>
+                  <a:spcPts val="0"/>
+                </a:spcBef>
+                <a:spcAft>
+                  <a:spcPts val="0"/>
+                </a:spcAft>
+              </a:pPr>
+              <a:r>
+                <a:rPr sz="1138">
+                  <a:solidFill>
+                    <a:srgbClr val="000000">
+                      <a:alpha val="100000"/>
+                    </a:srgbClr>
+                  </a:solidFill>
+                  <a:latin typeface="Arial"/>
+                  <a:cs typeface="Arial"/>
+                </a:rPr>
+                <a:t>35</a:t>
+              </a:r>
+            </a:p>
+          </p:txBody>
+        </p:sp>
+        <p:sp>
+          <p:nvSpPr>
+            <p:cNvPr id="23" name="tx23"/>
+            <p:cNvSpPr/>
+            <p:nvPr/>
+          </p:nvSpPr>
+          <p:spPr>
+            <a:xfrm>
+              <a:off x="2516447" y="2863091"/>
+              <a:ext cx="385557" cy="135647"/>
+            </a:xfrm>
+            <a:prstGeom prst="rect">
+              <a:avLst/>
+            </a:prstGeom>
+            <a:noFill/>
+          </p:spPr>
+          <p:txBody>
+            <a:bodyPr lIns="0" rIns="0" tIns="0" bIns="0" anchorCtr="1" anchor="ctr" wrap="none"/>
+            <a:lstStyle/>
+            <a:p>
+              <a:pPr algn="l" marL="0" marR="0" indent="0">
+                <a:lnSpc>
+                  <a:spcPts val="1138"/>
+                </a:lnSpc>
+                <a:spcBef>
+                  <a:spcPts val="0"/>
+                </a:spcBef>
+                <a:spcAft>
+                  <a:spcPts val="0"/>
+                </a:spcAft>
+              </a:pPr>
+              <a:r>
+                <a:rPr sz="1138">
+                  <a:solidFill>
+                    <a:srgbClr val="000000">
+                      <a:alpha val="100000"/>
+                    </a:srgbClr>
+                  </a:solidFill>
+                  <a:latin typeface="Arial"/>
+                  <a:cs typeface="Arial"/>
+                </a:rPr>
+                <a:t>(24%)</a:t>
+              </a:r>
+            </a:p>
+          </p:txBody>
+        </p:sp>
+        <p:sp>
+          <p:nvSpPr>
+            <p:cNvPr id="24" name="tx24"/>
+            <p:cNvSpPr/>
+            <p:nvPr/>
+          </p:nvSpPr>
+          <p:spPr>
+            <a:xfrm>
+              <a:off x="3120215" y="3928763"/>
+              <a:ext cx="80386" cy="103464"/>
+            </a:xfrm>
+            <a:prstGeom prst="rect">
+              <a:avLst/>
+            </a:prstGeom>
+            <a:noFill/>
+          </p:spPr>
+          <p:txBody>
+            <a:bodyPr lIns="0" rIns="0" tIns="0" bIns="0" anchorCtr="1" anchor="ctr" wrap="none"/>
+            <a:lstStyle/>
+            <a:p>
+              <a:pPr algn="l" marL="0" marR="0" indent="0">
+                <a:lnSpc>
+                  <a:spcPts val="1138"/>
+                </a:lnSpc>
+                <a:spcBef>
+                  <a:spcPts val="0"/>
+                </a:spcBef>
+                <a:spcAft>
+                  <a:spcPts val="0"/>
+                </a:spcAft>
+              </a:pPr>
+              <a:r>
+                <a:rPr sz="1138">
+                  <a:solidFill>
+                    <a:srgbClr val="000000">
+                      <a:alpha val="100000"/>
+                    </a:srgbClr>
+                  </a:solidFill>
+                  <a:latin typeface="Arial"/>
+                  <a:cs typeface="Arial"/>
+                </a:rPr>
+                <a:t>4</a:t>
+              </a:r>
+            </a:p>
+          </p:txBody>
+        </p:sp>
+        <p:sp>
+          <p:nvSpPr>
+            <p:cNvPr id="25" name="tx25"/>
+            <p:cNvSpPr/>
+            <p:nvPr/>
+          </p:nvSpPr>
+          <p:spPr>
+            <a:xfrm>
+              <a:off x="3007823" y="4104717"/>
+              <a:ext cx="305171" cy="135647"/>
+            </a:xfrm>
+            <a:prstGeom prst="rect">
+              <a:avLst/>
+            </a:prstGeom>
+            <a:noFill/>
+          </p:spPr>
+          <p:txBody>
+            <a:bodyPr lIns="0" rIns="0" tIns="0" bIns="0" anchorCtr="1" anchor="ctr" wrap="none"/>
+            <a:lstStyle/>
+            <a:p>
+              <a:pPr algn="l" marL="0" marR="0" indent="0">
+                <a:lnSpc>
+                  <a:spcPts val="1138"/>
+                </a:lnSpc>
+                <a:spcBef>
+                  <a:spcPts val="0"/>
+                </a:spcBef>
+                <a:spcAft>
+                  <a:spcPts val="0"/>
+                </a:spcAft>
+              </a:pPr>
+              <a:r>
+                <a:rPr sz="1138">
+                  <a:solidFill>
+                    <a:srgbClr val="000000">
+                      <a:alpha val="100000"/>
+                    </a:srgbClr>
+                  </a:solidFill>
+                  <a:latin typeface="Arial"/>
+                  <a:cs typeface="Arial"/>
+                </a:rPr>
+                <a:t>(3%)</a:t>
+              </a:r>
+            </a:p>
+          </p:txBody>
+        </p:sp>
+        <p:sp>
+          <p:nvSpPr>
+            <p:cNvPr id="26" name="tx26"/>
+            <p:cNvSpPr/>
+            <p:nvPr/>
+          </p:nvSpPr>
+          <p:spPr>
+            <a:xfrm>
+              <a:off x="3571398" y="3766365"/>
+              <a:ext cx="80386" cy="105652"/>
+            </a:xfrm>
+            <a:prstGeom prst="rect">
+              <a:avLst/>
+            </a:prstGeom>
+            <a:noFill/>
+          </p:spPr>
+          <p:txBody>
+            <a:bodyPr lIns="0" rIns="0" tIns="0" bIns="0" anchorCtr="1" anchor="ctr" wrap="none"/>
+            <a:lstStyle/>
+            <a:p>
+              <a:pPr algn="l" marL="0" marR="0" indent="0">
+                <a:lnSpc>
+                  <a:spcPts val="1138"/>
+                </a:lnSpc>
+                <a:spcBef>
+                  <a:spcPts val="0"/>
+                </a:spcBef>
+                <a:spcAft>
+                  <a:spcPts val="0"/>
+                </a:spcAft>
+              </a:pPr>
+              <a:r>
+                <a:rPr sz="1138">
+                  <a:solidFill>
+                    <a:srgbClr val="000000">
+                      <a:alpha val="100000"/>
+                    </a:srgbClr>
+                  </a:solidFill>
+                  <a:latin typeface="Arial"/>
+                  <a:cs typeface="Arial"/>
+                </a:rPr>
+                <a:t>8</a:t>
+              </a:r>
+            </a:p>
+          </p:txBody>
+        </p:sp>
+        <p:sp>
+          <p:nvSpPr>
+            <p:cNvPr id="27" name="tx27"/>
+            <p:cNvSpPr/>
+            <p:nvPr/>
+          </p:nvSpPr>
+          <p:spPr>
+            <a:xfrm>
+              <a:off x="3459005" y="3944508"/>
+              <a:ext cx="305171" cy="135647"/>
+            </a:xfrm>
+            <a:prstGeom prst="rect">
+              <a:avLst/>
+            </a:prstGeom>
+            <a:noFill/>
+          </p:spPr>
+          <p:txBody>
+            <a:bodyPr lIns="0" rIns="0" tIns="0" bIns="0" anchorCtr="1" anchor="ctr" wrap="none"/>
+            <a:lstStyle/>
+            <a:p>
+              <a:pPr algn="l" marL="0" marR="0" indent="0">
+                <a:lnSpc>
+                  <a:spcPts val="1138"/>
+                </a:lnSpc>
+                <a:spcBef>
+                  <a:spcPts val="0"/>
+                </a:spcBef>
+                <a:spcAft>
+                  <a:spcPts val="0"/>
+                </a:spcAft>
+              </a:pPr>
+              <a:r>
+                <a:rPr sz="1138">
+                  <a:solidFill>
+                    <a:srgbClr val="000000">
+                      <a:alpha val="100000"/>
+                    </a:srgbClr>
+                  </a:solidFill>
+                  <a:latin typeface="Arial"/>
+                  <a:cs typeface="Arial"/>
+                </a:rPr>
+                <a:t>(5%)</a:t>
+              </a:r>
+            </a:p>
+          </p:txBody>
+        </p:sp>
+        <p:sp>
+          <p:nvSpPr>
+            <p:cNvPr id="28" name="tx28"/>
+            <p:cNvSpPr/>
+            <p:nvPr/>
+          </p:nvSpPr>
+          <p:spPr>
+            <a:xfrm>
+              <a:off x="3982387" y="3566032"/>
+              <a:ext cx="160772" cy="105723"/>
+            </a:xfrm>
+            <a:prstGeom prst="rect">
+              <a:avLst/>
+            </a:prstGeom>
+            <a:noFill/>
+          </p:spPr>
+          <p:txBody>
+            <a:bodyPr lIns="0" rIns="0" tIns="0" bIns="0" anchorCtr="1" anchor="ctr" wrap="none"/>
+            <a:lstStyle/>
+            <a:p>
+              <a:pPr algn="l" marL="0" marR="0" indent="0">
+                <a:lnSpc>
+                  <a:spcPts val="1138"/>
+                </a:lnSpc>
+                <a:spcBef>
+                  <a:spcPts val="0"/>
+                </a:spcBef>
+                <a:spcAft>
+                  <a:spcPts val="0"/>
+                </a:spcAft>
+              </a:pPr>
+              <a:r>
+                <a:rPr sz="1138">
+                  <a:solidFill>
+                    <a:srgbClr val="000000">
+                      <a:alpha val="100000"/>
+                    </a:srgbClr>
+                  </a:solidFill>
+                  <a:latin typeface="Arial"/>
+                  <a:cs typeface="Arial"/>
+                </a:rPr>
+                <a:t>13</a:t>
+              </a:r>
+            </a:p>
+          </p:txBody>
+        </p:sp>
+        <p:sp>
+          <p:nvSpPr>
+            <p:cNvPr id="29" name="tx29"/>
+            <p:cNvSpPr/>
+            <p:nvPr/>
+          </p:nvSpPr>
+          <p:spPr>
+            <a:xfrm>
+              <a:off x="3910187" y="3744245"/>
+              <a:ext cx="305171" cy="135647"/>
+            </a:xfrm>
+            <a:prstGeom prst="rect">
+              <a:avLst/>
+            </a:prstGeom>
+            <a:noFill/>
+          </p:spPr>
+          <p:txBody>
+            <a:bodyPr lIns="0" rIns="0" tIns="0" bIns="0" anchorCtr="1" anchor="ctr" wrap="none"/>
+            <a:lstStyle/>
+            <a:p>
+              <a:pPr algn="l" marL="0" marR="0" indent="0">
+                <a:lnSpc>
+                  <a:spcPts val="1138"/>
+                </a:lnSpc>
+                <a:spcBef>
+                  <a:spcPts val="0"/>
+                </a:spcBef>
+                <a:spcAft>
+                  <a:spcPts val="0"/>
+                </a:spcAft>
+              </a:pPr>
+              <a:r>
+                <a:rPr sz="1138">
+                  <a:solidFill>
+                    <a:srgbClr val="000000">
+                      <a:alpha val="100000"/>
+                    </a:srgbClr>
+                  </a:solidFill>
+                  <a:latin typeface="Arial"/>
+                  <a:cs typeface="Arial"/>
+                </a:rPr>
+                <a:t>(9%)</a:t>
+              </a:r>
+            </a:p>
+          </p:txBody>
+        </p:sp>
+        <p:sp>
+          <p:nvSpPr>
+            <p:cNvPr id="30" name="tx30"/>
+            <p:cNvSpPr/>
+            <p:nvPr/>
+          </p:nvSpPr>
+          <p:spPr>
+            <a:xfrm>
+              <a:off x="4433569" y="3407657"/>
+              <a:ext cx="160772" cy="103888"/>
+            </a:xfrm>
+            <a:prstGeom prst="rect">
+              <a:avLst/>
+            </a:prstGeom>
+            <a:noFill/>
+          </p:spPr>
+          <p:txBody>
+            <a:bodyPr lIns="0" rIns="0" tIns="0" bIns="0" anchorCtr="1" anchor="ctr" wrap="none"/>
+            <a:lstStyle/>
+            <a:p>
+              <a:pPr algn="l" marL="0" marR="0" indent="0">
+                <a:lnSpc>
+                  <a:spcPts val="1138"/>
+                </a:lnSpc>
+                <a:spcBef>
+                  <a:spcPts val="0"/>
+                </a:spcBef>
+                <a:spcAft>
+                  <a:spcPts val="0"/>
+                </a:spcAft>
+              </a:pPr>
+              <a:r>
+                <a:rPr sz="1138">
+                  <a:solidFill>
+                    <a:srgbClr val="000000">
+                      <a:alpha val="100000"/>
+                    </a:srgbClr>
+                  </a:solidFill>
+                  <a:latin typeface="Arial"/>
+                  <a:cs typeface="Arial"/>
+                </a:rPr>
+                <a:t>17</a:t>
+              </a:r>
+            </a:p>
+          </p:txBody>
+        </p:sp>
+        <p:sp>
+          <p:nvSpPr>
+            <p:cNvPr id="31" name="tx31"/>
+            <p:cNvSpPr/>
+            <p:nvPr/>
+          </p:nvSpPr>
+          <p:spPr>
+            <a:xfrm>
+              <a:off x="4321176" y="3584036"/>
+              <a:ext cx="385557" cy="135647"/>
+            </a:xfrm>
+            <a:prstGeom prst="rect">
+              <a:avLst/>
+            </a:prstGeom>
+            <a:noFill/>
+          </p:spPr>
+          <p:txBody>
+            <a:bodyPr lIns="0" rIns="0" tIns="0" bIns="0" anchorCtr="1" anchor="ctr" wrap="none"/>
+            <a:lstStyle/>
+            <a:p>
+              <a:pPr algn="l" marL="0" marR="0" indent="0">
+                <a:lnSpc>
+                  <a:spcPts val="1138"/>
+                </a:lnSpc>
+                <a:spcBef>
+                  <a:spcPts val="0"/>
+                </a:spcBef>
+                <a:spcAft>
+                  <a:spcPts val="0"/>
+                </a:spcAft>
+              </a:pPr>
+              <a:r>
+                <a:rPr sz="1138">
+                  <a:solidFill>
+                    <a:srgbClr val="000000">
+                      <a:alpha val="100000"/>
+                    </a:srgbClr>
+                  </a:solidFill>
+                  <a:latin typeface="Arial"/>
+                  <a:cs typeface="Arial"/>
+                </a:rPr>
+                <a:t>(12%)</a:t>
+              </a:r>
+            </a:p>
+          </p:txBody>
+        </p:sp>
+        <p:sp>
+          <p:nvSpPr>
+            <p:cNvPr id="32" name="pl32"/>
+            <p:cNvSpPr/>
+            <p:nvPr/>
+          </p:nvSpPr>
+          <p:spPr>
+            <a:xfrm>
+              <a:off x="4885885" y="4556376"/>
               <a:ext cx="3699694" cy="0"/>
             </a:xfrm>
             <a:custGeom>
@@ -2480,13 +3424,13 @@
         </p:sp>
         <p:sp>
           <p:nvSpPr>
-            <p:cNvPr id="9" name="pl9"/>
-            <p:cNvSpPr/>
-            <p:nvPr/>
-          </p:nvSpPr>
-          <p:spPr>
-            <a:xfrm>
-              <a:off x="1084970" y="1638268"/>
+            <p:cNvPr id="33" name="pl33"/>
+            <p:cNvSpPr/>
+            <p:nvPr/>
+          </p:nvSpPr>
+          <p:spPr>
+            <a:xfrm>
+              <a:off x="4885885" y="3755327"/>
               <a:ext cx="3699694" cy="0"/>
             </a:xfrm>
             <a:custGeom>
@@ -2523,721 +3467,13 @@
         </p:sp>
         <p:sp>
           <p:nvSpPr>
-            <p:cNvPr id="10" name="rc10"/>
-            <p:cNvSpPr/>
-            <p:nvPr/>
-          </p:nvSpPr>
-          <p:spPr>
-            <a:xfrm>
-              <a:off x="1174479" y="2513701"/>
-              <a:ext cx="537052" cy="2042675"/>
-            </a:xfrm>
-            <a:prstGeom prst="rect">
-              <a:avLst/>
-            </a:prstGeom>
-            <a:solidFill>
-              <a:srgbClr val="2196F3">
-                <a:alpha val="100000"/>
-              </a:srgbClr>
-            </a:solidFill>
-          </p:spPr>
-          <p:txBody>
-            <a:bodyPr/>
-            <a:lstStyle/>
-            <a:p/>
-          </p:txBody>
-        </p:sp>
-        <p:sp>
-          <p:nvSpPr>
-            <p:cNvPr id="11" name="rc11"/>
-            <p:cNvSpPr/>
-            <p:nvPr/>
-          </p:nvSpPr>
-          <p:spPr>
-            <a:xfrm>
-              <a:off x="1771204" y="4322927"/>
-              <a:ext cx="537052" cy="233448"/>
-            </a:xfrm>
-            <a:prstGeom prst="rect">
-              <a:avLst/>
-            </a:prstGeom>
-            <a:solidFill>
-              <a:srgbClr val="43AA70">
-                <a:alpha val="100000"/>
-              </a:srgbClr>
-            </a:solidFill>
-          </p:spPr>
-          <p:txBody>
-            <a:bodyPr/>
-            <a:lstStyle/>
-            <a:p/>
-          </p:txBody>
-        </p:sp>
-        <p:sp>
-          <p:nvSpPr>
-            <p:cNvPr id="12" name="rc12"/>
-            <p:cNvSpPr/>
-            <p:nvPr/>
-          </p:nvSpPr>
-          <p:spPr>
-            <a:xfrm>
-              <a:off x="2367929" y="4089479"/>
-              <a:ext cx="537052" cy="466897"/>
-            </a:xfrm>
-            <a:prstGeom prst="rect">
-              <a:avLst/>
-            </a:prstGeom>
-            <a:solidFill>
-              <a:srgbClr val="B7B924">
-                <a:alpha val="100000"/>
-              </a:srgbClr>
-            </a:solidFill>
-          </p:spPr>
-          <p:txBody>
-            <a:bodyPr/>
-            <a:lstStyle/>
-            <a:p/>
-          </p:txBody>
-        </p:sp>
-        <p:sp>
-          <p:nvSpPr>
-            <p:cNvPr id="13" name="rc13"/>
-            <p:cNvSpPr/>
-            <p:nvPr/>
-          </p:nvSpPr>
-          <p:spPr>
-            <a:xfrm>
-              <a:off x="2964654" y="3797668"/>
-              <a:ext cx="537052" cy="758707"/>
-            </a:xfrm>
-            <a:prstGeom prst="rect">
-              <a:avLst/>
-            </a:prstGeom>
-            <a:solidFill>
-              <a:srgbClr val="D7834A">
-                <a:alpha val="100000"/>
-              </a:srgbClr>
-            </a:solidFill>
-          </p:spPr>
-          <p:txBody>
-            <a:bodyPr/>
-            <a:lstStyle/>
-            <a:p/>
-          </p:txBody>
-        </p:sp>
-        <p:sp>
-          <p:nvSpPr>
-            <p:cNvPr id="14" name="rc14"/>
-            <p:cNvSpPr/>
-            <p:nvPr/>
-          </p:nvSpPr>
-          <p:spPr>
-            <a:xfrm>
-              <a:off x="3561378" y="3564219"/>
-              <a:ext cx="537052" cy="992156"/>
-            </a:xfrm>
-            <a:prstGeom prst="rect">
-              <a:avLst/>
-            </a:prstGeom>
-            <a:solidFill>
-              <a:srgbClr val="AD2C97">
-                <a:alpha val="100000"/>
-              </a:srgbClr>
-            </a:solidFill>
-          </p:spPr>
-          <p:txBody>
-            <a:bodyPr/>
-            <a:lstStyle/>
-            <a:p/>
-          </p:txBody>
-        </p:sp>
-        <p:sp>
-          <p:nvSpPr>
-            <p:cNvPr id="15" name="rc15"/>
-            <p:cNvSpPr/>
-            <p:nvPr/>
-          </p:nvSpPr>
-          <p:spPr>
-            <a:xfrm>
-              <a:off x="4158103" y="4206203"/>
-              <a:ext cx="537052" cy="350172"/>
-            </a:xfrm>
-            <a:prstGeom prst="rect">
-              <a:avLst/>
-            </a:prstGeom>
-            <a:solidFill>
-              <a:srgbClr val="F44336">
-                <a:alpha val="100000"/>
-              </a:srgbClr>
-            </a:solidFill>
-          </p:spPr>
-          <p:txBody>
-            <a:bodyPr/>
-            <a:lstStyle/>
-            <a:p/>
-          </p:txBody>
-        </p:sp>
-        <p:sp>
-          <p:nvSpPr>
-            <p:cNvPr id="16" name="tx16"/>
-            <p:cNvSpPr/>
-            <p:nvPr/>
-          </p:nvSpPr>
-          <p:spPr>
-            <a:xfrm>
-              <a:off x="1342522" y="1926623"/>
-              <a:ext cx="200965" cy="132153"/>
-            </a:xfrm>
-            <a:prstGeom prst="rect">
-              <a:avLst/>
-            </a:prstGeom>
-            <a:noFill/>
-          </p:spPr>
-          <p:txBody>
-            <a:bodyPr lIns="0" rIns="0" tIns="0" bIns="0" anchorCtr="1" anchor="ctr" wrap="none"/>
-            <a:lstStyle/>
-            <a:p>
-              <a:pPr algn="l" marL="0" marR="0" indent="0">
-                <a:lnSpc>
-                  <a:spcPts val="1422"/>
-                </a:lnSpc>
-                <a:spcBef>
-                  <a:spcPts val="0"/>
-                </a:spcBef>
-                <a:spcAft>
-                  <a:spcPts val="0"/>
-                </a:spcAft>
-              </a:pPr>
-              <a:r>
-                <a:rPr sz="1422">
-                  <a:solidFill>
-                    <a:srgbClr val="000000">
-                      <a:alpha val="100000"/>
-                    </a:srgbClr>
-                  </a:solidFill>
-                  <a:latin typeface="Arial"/>
-                  <a:cs typeface="Arial"/>
-                </a:rPr>
-                <a:t>35</a:t>
-              </a:r>
-            </a:p>
-          </p:txBody>
-        </p:sp>
-        <p:sp>
-          <p:nvSpPr>
-            <p:cNvPr id="17" name="tx17"/>
-            <p:cNvSpPr/>
-            <p:nvPr/>
-          </p:nvSpPr>
-          <p:spPr>
-            <a:xfrm>
-              <a:off x="1202032" y="2149390"/>
-              <a:ext cx="481947" cy="169559"/>
-            </a:xfrm>
-            <a:prstGeom prst="rect">
-              <a:avLst/>
-            </a:prstGeom>
-            <a:noFill/>
-          </p:spPr>
-          <p:txBody>
-            <a:bodyPr lIns="0" rIns="0" tIns="0" bIns="0" anchorCtr="1" anchor="ctr" wrap="none"/>
-            <a:lstStyle/>
-            <a:p>
-              <a:pPr algn="l" marL="0" marR="0" indent="0">
-                <a:lnSpc>
-                  <a:spcPts val="1422"/>
-                </a:lnSpc>
-                <a:spcBef>
-                  <a:spcPts val="0"/>
-                </a:spcBef>
-                <a:spcAft>
-                  <a:spcPts val="0"/>
-                </a:spcAft>
-              </a:pPr>
-              <a:r>
-                <a:rPr sz="1422">
-                  <a:solidFill>
-                    <a:srgbClr val="000000">
-                      <a:alpha val="100000"/>
-                    </a:srgbClr>
-                  </a:solidFill>
-                  <a:latin typeface="Arial"/>
-                  <a:cs typeface="Arial"/>
-                </a:rPr>
-                <a:t>(42%)</a:t>
-              </a:r>
-            </a:p>
-          </p:txBody>
-        </p:sp>
-        <p:sp>
-          <p:nvSpPr>
-            <p:cNvPr id="18" name="tx18"/>
-            <p:cNvSpPr/>
-            <p:nvPr/>
-          </p:nvSpPr>
-          <p:spPr>
-            <a:xfrm>
-              <a:off x="1989489" y="3738673"/>
-              <a:ext cx="100482" cy="129330"/>
-            </a:xfrm>
-            <a:prstGeom prst="rect">
-              <a:avLst/>
-            </a:prstGeom>
-            <a:noFill/>
-          </p:spPr>
-          <p:txBody>
-            <a:bodyPr lIns="0" rIns="0" tIns="0" bIns="0" anchorCtr="1" anchor="ctr" wrap="none"/>
-            <a:lstStyle/>
-            <a:p>
-              <a:pPr algn="l" marL="0" marR="0" indent="0">
-                <a:lnSpc>
-                  <a:spcPts val="1422"/>
-                </a:lnSpc>
-                <a:spcBef>
-                  <a:spcPts val="0"/>
-                </a:spcBef>
-                <a:spcAft>
-                  <a:spcPts val="0"/>
-                </a:spcAft>
-              </a:pPr>
-              <a:r>
-                <a:rPr sz="1422">
-                  <a:solidFill>
-                    <a:srgbClr val="000000">
-                      <a:alpha val="100000"/>
-                    </a:srgbClr>
-                  </a:solidFill>
-                  <a:latin typeface="Arial"/>
-                  <a:cs typeface="Arial"/>
-                </a:rPr>
-                <a:t>4</a:t>
-              </a:r>
-            </a:p>
-          </p:txBody>
-        </p:sp>
-        <p:sp>
-          <p:nvSpPr>
-            <p:cNvPr id="19" name="tx19"/>
-            <p:cNvSpPr/>
-            <p:nvPr/>
-          </p:nvSpPr>
-          <p:spPr>
-            <a:xfrm>
-              <a:off x="1848998" y="3958617"/>
-              <a:ext cx="381464" cy="169559"/>
-            </a:xfrm>
-            <a:prstGeom prst="rect">
-              <a:avLst/>
-            </a:prstGeom>
-            <a:noFill/>
-          </p:spPr>
-          <p:txBody>
-            <a:bodyPr lIns="0" rIns="0" tIns="0" bIns="0" anchorCtr="1" anchor="ctr" wrap="none"/>
-            <a:lstStyle/>
-            <a:p>
-              <a:pPr algn="l" marL="0" marR="0" indent="0">
-                <a:lnSpc>
-                  <a:spcPts val="1422"/>
-                </a:lnSpc>
-                <a:spcBef>
-                  <a:spcPts val="0"/>
-                </a:spcBef>
-                <a:spcAft>
-                  <a:spcPts val="0"/>
-                </a:spcAft>
-              </a:pPr>
-              <a:r>
-                <a:rPr sz="1422">
-                  <a:solidFill>
-                    <a:srgbClr val="000000">
-                      <a:alpha val="100000"/>
-                    </a:srgbClr>
-                  </a:solidFill>
-                  <a:latin typeface="Arial"/>
-                  <a:cs typeface="Arial"/>
-                </a:rPr>
-                <a:t>(5%)</a:t>
-              </a:r>
-            </a:p>
-          </p:txBody>
-        </p:sp>
-        <p:sp>
-          <p:nvSpPr>
-            <p:cNvPr id="20" name="tx20"/>
-            <p:cNvSpPr/>
-            <p:nvPr/>
-          </p:nvSpPr>
-          <p:spPr>
-            <a:xfrm>
-              <a:off x="2586213" y="3502490"/>
-              <a:ext cx="100482" cy="132065"/>
-            </a:xfrm>
-            <a:prstGeom prst="rect">
-              <a:avLst/>
-            </a:prstGeom>
-            <a:noFill/>
-          </p:spPr>
-          <p:txBody>
-            <a:bodyPr lIns="0" rIns="0" tIns="0" bIns="0" anchorCtr="1" anchor="ctr" wrap="none"/>
-            <a:lstStyle/>
-            <a:p>
-              <a:pPr algn="l" marL="0" marR="0" indent="0">
-                <a:lnSpc>
-                  <a:spcPts val="1422"/>
-                </a:lnSpc>
-                <a:spcBef>
-                  <a:spcPts val="0"/>
-                </a:spcBef>
-                <a:spcAft>
-                  <a:spcPts val="0"/>
-                </a:spcAft>
-              </a:pPr>
-              <a:r>
-                <a:rPr sz="1422">
-                  <a:solidFill>
-                    <a:srgbClr val="000000">
-                      <a:alpha val="100000"/>
-                    </a:srgbClr>
-                  </a:solidFill>
-                  <a:latin typeface="Arial"/>
-                  <a:cs typeface="Arial"/>
-                </a:rPr>
-                <a:t>8</a:t>
-              </a:r>
-            </a:p>
-          </p:txBody>
-        </p:sp>
-        <p:sp>
-          <p:nvSpPr>
-            <p:cNvPr id="21" name="tx21"/>
-            <p:cNvSpPr/>
-            <p:nvPr/>
-          </p:nvSpPr>
-          <p:spPr>
-            <a:xfrm>
-              <a:off x="2395481" y="3725168"/>
-              <a:ext cx="481947" cy="169559"/>
-            </a:xfrm>
-            <a:prstGeom prst="rect">
-              <a:avLst/>
-            </a:prstGeom>
-            <a:noFill/>
-          </p:spPr>
-          <p:txBody>
-            <a:bodyPr lIns="0" rIns="0" tIns="0" bIns="0" anchorCtr="1" anchor="ctr" wrap="none"/>
-            <a:lstStyle/>
-            <a:p>
-              <a:pPr algn="l" marL="0" marR="0" indent="0">
-                <a:lnSpc>
-                  <a:spcPts val="1422"/>
-                </a:lnSpc>
-                <a:spcBef>
-                  <a:spcPts val="0"/>
-                </a:spcBef>
-                <a:spcAft>
-                  <a:spcPts val="0"/>
-                </a:spcAft>
-              </a:pPr>
-              <a:r>
-                <a:rPr sz="1422">
-                  <a:solidFill>
-                    <a:srgbClr val="000000">
-                      <a:alpha val="100000"/>
-                    </a:srgbClr>
-                  </a:solidFill>
-                  <a:latin typeface="Arial"/>
-                  <a:cs typeface="Arial"/>
-                </a:rPr>
-                <a:t>(10%)</a:t>
-              </a:r>
-            </a:p>
-          </p:txBody>
-        </p:sp>
-        <p:sp>
-          <p:nvSpPr>
-            <p:cNvPr id="22" name="tx22"/>
-            <p:cNvSpPr/>
-            <p:nvPr/>
-          </p:nvSpPr>
-          <p:spPr>
-            <a:xfrm>
-              <a:off x="3132697" y="3210591"/>
-              <a:ext cx="200965" cy="132153"/>
-            </a:xfrm>
-            <a:prstGeom prst="rect">
-              <a:avLst/>
-            </a:prstGeom>
-            <a:noFill/>
-          </p:spPr>
-          <p:txBody>
-            <a:bodyPr lIns="0" rIns="0" tIns="0" bIns="0" anchorCtr="1" anchor="ctr" wrap="none"/>
-            <a:lstStyle/>
-            <a:p>
-              <a:pPr algn="l" marL="0" marR="0" indent="0">
-                <a:lnSpc>
-                  <a:spcPts val="1422"/>
-                </a:lnSpc>
-                <a:spcBef>
-                  <a:spcPts val="0"/>
-                </a:spcBef>
-                <a:spcAft>
-                  <a:spcPts val="0"/>
-                </a:spcAft>
-              </a:pPr>
-              <a:r>
-                <a:rPr sz="1422">
-                  <a:solidFill>
-                    <a:srgbClr val="000000">
-                      <a:alpha val="100000"/>
-                    </a:srgbClr>
-                  </a:solidFill>
-                  <a:latin typeface="Arial"/>
-                  <a:cs typeface="Arial"/>
-                </a:rPr>
-                <a:t>13</a:t>
-              </a:r>
-            </a:p>
-          </p:txBody>
-        </p:sp>
-        <p:sp>
-          <p:nvSpPr>
-            <p:cNvPr id="23" name="tx23"/>
-            <p:cNvSpPr/>
-            <p:nvPr/>
-          </p:nvSpPr>
-          <p:spPr>
-            <a:xfrm>
-              <a:off x="2992206" y="3433357"/>
-              <a:ext cx="481947" cy="169559"/>
-            </a:xfrm>
-            <a:prstGeom prst="rect">
-              <a:avLst/>
-            </a:prstGeom>
-            <a:noFill/>
-          </p:spPr>
-          <p:txBody>
-            <a:bodyPr lIns="0" rIns="0" tIns="0" bIns="0" anchorCtr="1" anchor="ctr" wrap="none"/>
-            <a:lstStyle/>
-            <a:p>
-              <a:pPr algn="l" marL="0" marR="0" indent="0">
-                <a:lnSpc>
-                  <a:spcPts val="1422"/>
-                </a:lnSpc>
-                <a:spcBef>
-                  <a:spcPts val="0"/>
-                </a:spcBef>
-                <a:spcAft>
-                  <a:spcPts val="0"/>
-                </a:spcAft>
-              </a:pPr>
-              <a:r>
-                <a:rPr sz="1422">
-                  <a:solidFill>
-                    <a:srgbClr val="000000">
-                      <a:alpha val="100000"/>
-                    </a:srgbClr>
-                  </a:solidFill>
-                  <a:latin typeface="Arial"/>
-                  <a:cs typeface="Arial"/>
-                </a:rPr>
-                <a:t>(16%)</a:t>
-              </a:r>
-            </a:p>
-          </p:txBody>
-        </p:sp>
-        <p:sp>
-          <p:nvSpPr>
-            <p:cNvPr id="24" name="tx24"/>
-            <p:cNvSpPr/>
-            <p:nvPr/>
-          </p:nvSpPr>
-          <p:spPr>
-            <a:xfrm>
-              <a:off x="3729422" y="2979436"/>
-              <a:ext cx="200965" cy="129860"/>
-            </a:xfrm>
-            <a:prstGeom prst="rect">
-              <a:avLst/>
-            </a:prstGeom>
-            <a:noFill/>
-          </p:spPr>
-          <p:txBody>
-            <a:bodyPr lIns="0" rIns="0" tIns="0" bIns="0" anchorCtr="1" anchor="ctr" wrap="none"/>
-            <a:lstStyle/>
-            <a:p>
-              <a:pPr algn="l" marL="0" marR="0" indent="0">
-                <a:lnSpc>
-                  <a:spcPts val="1422"/>
-                </a:lnSpc>
-                <a:spcBef>
-                  <a:spcPts val="0"/>
-                </a:spcBef>
-                <a:spcAft>
-                  <a:spcPts val="0"/>
-                </a:spcAft>
-              </a:pPr>
-              <a:r>
-                <a:rPr sz="1422">
-                  <a:solidFill>
-                    <a:srgbClr val="000000">
-                      <a:alpha val="100000"/>
-                    </a:srgbClr>
-                  </a:solidFill>
-                  <a:latin typeface="Arial"/>
-                  <a:cs typeface="Arial"/>
-                </a:rPr>
-                <a:t>17</a:t>
-              </a:r>
-            </a:p>
-          </p:txBody>
-        </p:sp>
-        <p:sp>
-          <p:nvSpPr>
-            <p:cNvPr id="25" name="tx25"/>
-            <p:cNvSpPr/>
-            <p:nvPr/>
-          </p:nvSpPr>
-          <p:spPr>
-            <a:xfrm>
-              <a:off x="3588931" y="3199909"/>
-              <a:ext cx="481947" cy="169559"/>
-            </a:xfrm>
-            <a:prstGeom prst="rect">
-              <a:avLst/>
-            </a:prstGeom>
-            <a:noFill/>
-          </p:spPr>
-          <p:txBody>
-            <a:bodyPr lIns="0" rIns="0" tIns="0" bIns="0" anchorCtr="1" anchor="ctr" wrap="none"/>
-            <a:lstStyle/>
-            <a:p>
-              <a:pPr algn="l" marL="0" marR="0" indent="0">
-                <a:lnSpc>
-                  <a:spcPts val="1422"/>
-                </a:lnSpc>
-                <a:spcBef>
-                  <a:spcPts val="0"/>
-                </a:spcBef>
-                <a:spcAft>
-                  <a:spcPts val="0"/>
-                </a:spcAft>
-              </a:pPr>
-              <a:r>
-                <a:rPr sz="1422">
-                  <a:solidFill>
-                    <a:srgbClr val="000000">
-                      <a:alpha val="100000"/>
-                    </a:srgbClr>
-                  </a:solidFill>
-                  <a:latin typeface="Arial"/>
-                  <a:cs typeface="Arial"/>
-                </a:rPr>
-                <a:t>(20%)</a:t>
-              </a:r>
-            </a:p>
-          </p:txBody>
-        </p:sp>
-        <p:sp>
-          <p:nvSpPr>
-            <p:cNvPr id="26" name="tx26"/>
-            <p:cNvSpPr/>
-            <p:nvPr/>
-          </p:nvSpPr>
-          <p:spPr>
-            <a:xfrm>
-              <a:off x="4376388" y="3619214"/>
-              <a:ext cx="100482" cy="132065"/>
-            </a:xfrm>
-            <a:prstGeom prst="rect">
-              <a:avLst/>
-            </a:prstGeom>
-            <a:noFill/>
-          </p:spPr>
-          <p:txBody>
-            <a:bodyPr lIns="0" rIns="0" tIns="0" bIns="0" anchorCtr="1" anchor="ctr" wrap="none"/>
-            <a:lstStyle/>
-            <a:p>
-              <a:pPr algn="l" marL="0" marR="0" indent="0">
-                <a:lnSpc>
-                  <a:spcPts val="1422"/>
-                </a:lnSpc>
-                <a:spcBef>
-                  <a:spcPts val="0"/>
-                </a:spcBef>
-                <a:spcAft>
-                  <a:spcPts val="0"/>
-                </a:spcAft>
-              </a:pPr>
-              <a:r>
-                <a:rPr sz="1422">
-                  <a:solidFill>
-                    <a:srgbClr val="000000">
-                      <a:alpha val="100000"/>
-                    </a:srgbClr>
-                  </a:solidFill>
-                  <a:latin typeface="Arial"/>
-                  <a:cs typeface="Arial"/>
-                </a:rPr>
-                <a:t>6</a:t>
-              </a:r>
-            </a:p>
-          </p:txBody>
-        </p:sp>
-        <p:sp>
-          <p:nvSpPr>
-            <p:cNvPr id="27" name="tx27"/>
-            <p:cNvSpPr/>
-            <p:nvPr/>
-          </p:nvSpPr>
-          <p:spPr>
-            <a:xfrm>
-              <a:off x="4235897" y="3841892"/>
-              <a:ext cx="381464" cy="169559"/>
-            </a:xfrm>
-            <a:prstGeom prst="rect">
-              <a:avLst/>
-            </a:prstGeom>
-            <a:noFill/>
-          </p:spPr>
-          <p:txBody>
-            <a:bodyPr lIns="0" rIns="0" tIns="0" bIns="0" anchorCtr="1" anchor="ctr" wrap="none"/>
-            <a:lstStyle/>
-            <a:p>
-              <a:pPr algn="l" marL="0" marR="0" indent="0">
-                <a:lnSpc>
-                  <a:spcPts val="1422"/>
-                </a:lnSpc>
-                <a:spcBef>
-                  <a:spcPts val="0"/>
-                </a:spcBef>
-                <a:spcAft>
-                  <a:spcPts val="0"/>
-                </a:spcAft>
-              </a:pPr>
-              <a:r>
-                <a:rPr sz="1422">
-                  <a:solidFill>
-                    <a:srgbClr val="000000">
-                      <a:alpha val="100000"/>
-                    </a:srgbClr>
-                  </a:solidFill>
-                  <a:latin typeface="Arial"/>
-                  <a:cs typeface="Arial"/>
-                </a:rPr>
-                <a:t>(7%)</a:t>
-              </a:r>
-            </a:p>
-          </p:txBody>
-        </p:sp>
-        <p:sp>
-          <p:nvSpPr>
-            <p:cNvPr id="28" name="pl28"/>
-            <p:cNvSpPr/>
-            <p:nvPr/>
-          </p:nvSpPr>
-          <p:spPr>
-            <a:xfrm>
-              <a:off x="4885885" y="4556376"/>
+            <p:cNvPr id="34" name="pl34"/>
+            <p:cNvSpPr/>
+            <p:nvPr/>
+          </p:nvSpPr>
+          <p:spPr>
+            <a:xfrm>
+              <a:off x="4885885" y="2954278"/>
               <a:ext cx="3699694" cy="0"/>
             </a:xfrm>
             <a:custGeom>
@@ -3274,13 +3510,13 @@
         </p:sp>
         <p:sp>
           <p:nvSpPr>
-            <p:cNvPr id="29" name="pl29"/>
-            <p:cNvSpPr/>
-            <p:nvPr/>
-          </p:nvSpPr>
-          <p:spPr>
-            <a:xfrm>
-              <a:off x="4885885" y="3972754"/>
+            <p:cNvPr id="35" name="pl35"/>
+            <p:cNvSpPr/>
+            <p:nvPr/>
+          </p:nvSpPr>
+          <p:spPr>
+            <a:xfrm>
+              <a:off x="4885885" y="2153228"/>
               <a:ext cx="3699694" cy="0"/>
             </a:xfrm>
             <a:custGeom>
@@ -3317,40 +3553,23 @@
         </p:sp>
         <p:sp>
           <p:nvSpPr>
-            <p:cNvPr id="30" name="pl30"/>
-            <p:cNvSpPr/>
-            <p:nvPr/>
-          </p:nvSpPr>
-          <p:spPr>
-            <a:xfrm>
-              <a:off x="4885885" y="3389133"/>
-              <a:ext cx="3699694" cy="0"/>
-            </a:xfrm>
-            <a:custGeom>
-              <a:avLst/>
-              <a:pathLst>
-                <a:path w="3699694" h="0">
-                  <a:moveTo>
-                    <a:pt x="0" y="0"/>
-                  </a:moveTo>
-                  <a:lnTo>
-                    <a:pt x="3699694" y="0"/>
-                  </a:lnTo>
-                  <a:lnTo>
-                    <a:pt x="3699694" y="0"/>
-                  </a:lnTo>
-                </a:path>
-              </a:pathLst>
-            </a:custGeom>
-            <a:ln w="2710" cap="flat">
-              <a:solidFill>
-                <a:srgbClr val="CCCCCC">
-                  <a:alpha val="100000"/>
-                </a:srgbClr>
-              </a:solidFill>
-              <a:prstDash val="solid"/>
-              <a:round/>
-            </a:ln>
+            <p:cNvPr id="36" name="rc36"/>
+            <p:cNvSpPr/>
+            <p:nvPr/>
+          </p:nvSpPr>
+          <p:spPr>
+            <a:xfrm>
+              <a:off x="4953562" y="3875484"/>
+              <a:ext cx="406064" cy="680891"/>
+            </a:xfrm>
+            <a:prstGeom prst="rect">
+              <a:avLst/>
+            </a:prstGeom>
+            <a:solidFill>
+              <a:srgbClr val="B0BEC5">
+                <a:alpha val="100000"/>
+              </a:srgbClr>
+            </a:solidFill>
           </p:spPr>
           <p:txBody>
             <a:bodyPr/>
@@ -3360,40 +3579,23 @@
         </p:sp>
         <p:sp>
           <p:nvSpPr>
-            <p:cNvPr id="31" name="pl31"/>
-            <p:cNvSpPr/>
-            <p:nvPr/>
-          </p:nvSpPr>
-          <p:spPr>
-            <a:xfrm>
-              <a:off x="4885885" y="2805511"/>
-              <a:ext cx="3699694" cy="0"/>
-            </a:xfrm>
-            <a:custGeom>
-              <a:avLst/>
-              <a:pathLst>
-                <a:path w="3699694" h="0">
-                  <a:moveTo>
-                    <a:pt x="0" y="0"/>
-                  </a:moveTo>
-                  <a:lnTo>
-                    <a:pt x="3699694" y="0"/>
-                  </a:lnTo>
-                  <a:lnTo>
-                    <a:pt x="3699694" y="0"/>
-                  </a:lnTo>
-                </a:path>
-              </a:pathLst>
-            </a:custGeom>
-            <a:ln w="2710" cap="flat">
-              <a:solidFill>
-                <a:srgbClr val="CCCCCC">
-                  <a:alpha val="100000"/>
-                </a:srgbClr>
-              </a:solidFill>
-              <a:prstDash val="solid"/>
-              <a:round/>
-            </a:ln>
+            <p:cNvPr id="37" name="rc37"/>
+            <p:cNvSpPr/>
+            <p:nvPr/>
+          </p:nvSpPr>
+          <p:spPr>
+            <a:xfrm>
+              <a:off x="5404744" y="3995641"/>
+              <a:ext cx="406064" cy="560734"/>
+            </a:xfrm>
+            <a:prstGeom prst="rect">
+              <a:avLst/>
+            </a:prstGeom>
+            <a:solidFill>
+              <a:srgbClr val="B0BEC5">
+                <a:alpha val="100000"/>
+              </a:srgbClr>
+            </a:solidFill>
           </p:spPr>
           <p:txBody>
             <a:bodyPr/>
@@ -3403,40 +3605,23 @@
         </p:sp>
         <p:sp>
           <p:nvSpPr>
-            <p:cNvPr id="32" name="pl32"/>
-            <p:cNvSpPr/>
-            <p:nvPr/>
-          </p:nvSpPr>
-          <p:spPr>
-            <a:xfrm>
-              <a:off x="4885885" y="2221890"/>
-              <a:ext cx="3699694" cy="0"/>
-            </a:xfrm>
-            <a:custGeom>
-              <a:avLst/>
-              <a:pathLst>
-                <a:path w="3699694" h="0">
-                  <a:moveTo>
-                    <a:pt x="0" y="0"/>
-                  </a:moveTo>
-                  <a:lnTo>
-                    <a:pt x="3699694" y="0"/>
-                  </a:lnTo>
-                  <a:lnTo>
-                    <a:pt x="3699694" y="0"/>
-                  </a:lnTo>
-                </a:path>
-              </a:pathLst>
-            </a:custGeom>
-            <a:ln w="2710" cap="flat">
-              <a:solidFill>
-                <a:srgbClr val="CCCCCC">
-                  <a:alpha val="100000"/>
-                </a:srgbClr>
-              </a:solidFill>
-              <a:prstDash val="solid"/>
-              <a:round/>
-            </a:ln>
+            <p:cNvPr id="38" name="rc38"/>
+            <p:cNvSpPr/>
+            <p:nvPr/>
+          </p:nvSpPr>
+          <p:spPr>
+            <a:xfrm>
+              <a:off x="5855927" y="4356114"/>
+              <a:ext cx="406064" cy="200262"/>
+            </a:xfrm>
+            <a:prstGeom prst="rect">
+              <a:avLst/>
+            </a:prstGeom>
+            <a:solidFill>
+              <a:srgbClr val="B0BEC5">
+                <a:alpha val="100000"/>
+              </a:srgbClr>
+            </a:solidFill>
           </p:spPr>
           <p:txBody>
             <a:bodyPr/>
@@ -3446,57 +3631,14 @@
         </p:sp>
         <p:sp>
           <p:nvSpPr>
-            <p:cNvPr id="33" name="pl33"/>
-            <p:cNvSpPr/>
-            <p:nvPr/>
-          </p:nvSpPr>
-          <p:spPr>
-            <a:xfrm>
-              <a:off x="4885885" y="1638268"/>
-              <a:ext cx="3699694" cy="0"/>
-            </a:xfrm>
-            <a:custGeom>
-              <a:avLst/>
-              <a:pathLst>
-                <a:path w="3699694" h="0">
-                  <a:moveTo>
-                    <a:pt x="0" y="0"/>
-                  </a:moveTo>
-                  <a:lnTo>
-                    <a:pt x="3699694" y="0"/>
-                  </a:lnTo>
-                  <a:lnTo>
-                    <a:pt x="3699694" y="0"/>
-                  </a:lnTo>
-                </a:path>
-              </a:pathLst>
-            </a:custGeom>
-            <a:ln w="2710" cap="flat">
-              <a:solidFill>
-                <a:srgbClr val="CCCCCC">
-                  <a:alpha val="100000"/>
-                </a:srgbClr>
-              </a:solidFill>
-              <a:prstDash val="solid"/>
-              <a:round/>
-            </a:ln>
-          </p:spPr>
-          <p:txBody>
-            <a:bodyPr/>
-            <a:lstStyle/>
-            <a:p/>
-          </p:txBody>
-        </p:sp>
-        <p:sp>
-          <p:nvSpPr>
-            <p:cNvPr id="34" name="rc34"/>
-            <p:cNvSpPr/>
-            <p:nvPr/>
-          </p:nvSpPr>
-          <p:spPr>
-            <a:xfrm>
-              <a:off x="4975394" y="3564219"/>
-              <a:ext cx="537052" cy="992156"/>
+            <p:cNvPr id="39" name="rc39"/>
+            <p:cNvSpPr/>
+            <p:nvPr/>
+          </p:nvSpPr>
+          <p:spPr>
+            <a:xfrm>
+              <a:off x="6307109" y="3875484"/>
+              <a:ext cx="406064" cy="680891"/>
             </a:xfrm>
             <a:prstGeom prst="rect">
               <a:avLst/>
@@ -3515,20 +3657,20 @@
         </p:sp>
         <p:sp>
           <p:nvSpPr>
-            <p:cNvPr id="35" name="rc35"/>
-            <p:cNvSpPr/>
-            <p:nvPr/>
-          </p:nvSpPr>
-          <p:spPr>
-            <a:xfrm>
-              <a:off x="5572118" y="3505857"/>
-              <a:ext cx="537052" cy="1050518"/>
+            <p:cNvPr id="40" name="rc40"/>
+            <p:cNvSpPr/>
+            <p:nvPr/>
+          </p:nvSpPr>
+          <p:spPr>
+            <a:xfrm>
+              <a:off x="6758291" y="3835432"/>
+              <a:ext cx="406064" cy="720944"/>
             </a:xfrm>
             <a:prstGeom prst="rect">
               <a:avLst/>
             </a:prstGeom>
             <a:solidFill>
-              <a:srgbClr val="43AA70">
+              <a:srgbClr val="8BC34A">
                 <a:alpha val="100000"/>
               </a:srgbClr>
             </a:solidFill>
@@ -3541,20 +3683,20 @@
         </p:sp>
         <p:sp>
           <p:nvSpPr>
-            <p:cNvPr id="36" name="rc36"/>
-            <p:cNvSpPr/>
-            <p:nvPr/>
-          </p:nvSpPr>
-          <p:spPr>
-            <a:xfrm>
-              <a:off x="6168843" y="3389133"/>
-              <a:ext cx="537052" cy="1167242"/>
+            <p:cNvPr id="41" name="rc41"/>
+            <p:cNvSpPr/>
+            <p:nvPr/>
+          </p:nvSpPr>
+          <p:spPr>
+            <a:xfrm>
+              <a:off x="7209473" y="3755327"/>
+              <a:ext cx="406064" cy="801049"/>
             </a:xfrm>
             <a:prstGeom prst="rect">
               <a:avLst/>
             </a:prstGeom>
             <a:solidFill>
-              <a:srgbClr val="B7B924">
+              <a:srgbClr val="FFC107">
                 <a:alpha val="100000"/>
               </a:srgbClr>
             </a:solidFill>
@@ -3567,20 +3709,20 @@
         </p:sp>
         <p:sp>
           <p:nvSpPr>
-            <p:cNvPr id="37" name="rc37"/>
-            <p:cNvSpPr/>
-            <p:nvPr/>
-          </p:nvSpPr>
-          <p:spPr>
-            <a:xfrm>
-              <a:off x="6765568" y="2805511"/>
-              <a:ext cx="537052" cy="1750864"/>
+            <p:cNvPr id="42" name="rc42"/>
+            <p:cNvSpPr/>
+            <p:nvPr/>
+          </p:nvSpPr>
+          <p:spPr>
+            <a:xfrm>
+              <a:off x="7660656" y="3354802"/>
+              <a:ext cx="406064" cy="1201573"/>
             </a:xfrm>
             <a:prstGeom prst="rect">
               <a:avLst/>
             </a:prstGeom>
             <a:solidFill>
-              <a:srgbClr val="D7834A">
+              <a:srgbClr val="FF9800">
                 <a:alpha val="100000"/>
               </a:srgbClr>
             </a:solidFill>
@@ -3593,40 +3735,14 @@
         </p:sp>
         <p:sp>
           <p:nvSpPr>
-            <p:cNvPr id="38" name="rc38"/>
-            <p:cNvSpPr/>
-            <p:nvPr/>
-          </p:nvSpPr>
-          <p:spPr>
-            <a:xfrm>
-              <a:off x="7362293" y="3097322"/>
-              <a:ext cx="537052" cy="1459053"/>
-            </a:xfrm>
-            <a:prstGeom prst="rect">
-              <a:avLst/>
-            </a:prstGeom>
-            <a:solidFill>
-              <a:srgbClr val="AD2C97">
-                <a:alpha val="100000"/>
-              </a:srgbClr>
-            </a:solidFill>
-          </p:spPr>
-          <p:txBody>
-            <a:bodyPr/>
-            <a:lstStyle/>
-            <a:p/>
-          </p:txBody>
-        </p:sp>
-        <p:sp>
-          <p:nvSpPr>
-            <p:cNvPr id="39" name="rc39"/>
-            <p:cNvSpPr/>
-            <p:nvPr/>
-          </p:nvSpPr>
-          <p:spPr>
-            <a:xfrm>
-              <a:off x="7959018" y="4264565"/>
-              <a:ext cx="537052" cy="291810"/>
+            <p:cNvPr id="43" name="rc43"/>
+            <p:cNvSpPr/>
+            <p:nvPr/>
+          </p:nvSpPr>
+          <p:spPr>
+            <a:xfrm>
+              <a:off x="8111838" y="3555064"/>
+              <a:ext cx="406064" cy="1001311"/>
             </a:xfrm>
             <a:prstGeom prst="rect">
               <a:avLst/>
@@ -3645,14 +3761,14 @@
         </p:sp>
         <p:sp>
           <p:nvSpPr>
-            <p:cNvPr id="40" name="tx40"/>
-            <p:cNvSpPr/>
-            <p:nvPr/>
-          </p:nvSpPr>
-          <p:spPr>
-            <a:xfrm>
-              <a:off x="5143437" y="2979436"/>
-              <a:ext cx="200965" cy="129860"/>
+            <p:cNvPr id="44" name="tx44"/>
+            <p:cNvSpPr/>
+            <p:nvPr/>
+          </p:nvSpPr>
+          <p:spPr>
+            <a:xfrm>
+              <a:off x="5076208" y="3407657"/>
+              <a:ext cx="160772" cy="103888"/>
             </a:xfrm>
             <a:prstGeom prst="rect">
               <a:avLst/>
@@ -3665,7 +3781,7 @@
             <a:p>
               <a:pPr algn="l" marL="0" marR="0" indent="0">
                 <a:lnSpc>
-                  <a:spcPts val="1422"/>
+                  <a:spcPts val="1138"/>
                 </a:lnSpc>
                 <a:spcBef>
                   <a:spcPts val="0"/>
@@ -3675,7 +3791,7 @@
                 </a:spcAft>
               </a:pPr>
               <a:r>
-                <a:rPr sz="1422">
+                <a:rPr sz="1138">
                   <a:solidFill>
                     <a:srgbClr val="000000">
                       <a:alpha val="100000"/>
@@ -3691,14 +3807,14 @@
         </p:sp>
         <p:sp>
           <p:nvSpPr>
-            <p:cNvPr id="41" name="tx41"/>
-            <p:cNvSpPr/>
-            <p:nvPr/>
-          </p:nvSpPr>
-          <p:spPr>
-            <a:xfrm>
-              <a:off x="5002946" y="3199909"/>
-              <a:ext cx="481947" cy="169559"/>
+            <p:cNvPr id="45" name="tx45"/>
+            <p:cNvSpPr/>
+            <p:nvPr/>
+          </p:nvSpPr>
+          <p:spPr>
+            <a:xfrm>
+              <a:off x="4963815" y="3584036"/>
+              <a:ext cx="385557" cy="135647"/>
             </a:xfrm>
             <a:prstGeom prst="rect">
               <a:avLst/>
@@ -3711,7 +3827,7 @@
             <a:p>
               <a:pPr algn="l" marL="0" marR="0" indent="0">
                 <a:lnSpc>
-                  <a:spcPts val="1422"/>
+                  <a:spcPts val="1138"/>
                 </a:lnSpc>
                 <a:spcBef>
                   <a:spcPts val="0"/>
@@ -3721,7 +3837,7 @@
                 </a:spcAft>
               </a:pPr>
               <a:r>
-                <a:rPr sz="1422">
+                <a:rPr sz="1138">
                   <a:solidFill>
                     <a:srgbClr val="000000">
                       <a:alpha val="100000"/>
@@ -3730,21 +3846,21 @@
                   <a:latin typeface="Arial"/>
                   <a:cs typeface="Arial"/>
                 </a:rPr>
-                <a:t>(15%)</a:t>
+                <a:t>(12%)</a:t>
               </a:r>
             </a:p>
           </p:txBody>
         </p:sp>
         <p:sp>
           <p:nvSpPr>
-            <p:cNvPr id="42" name="tx42"/>
-            <p:cNvSpPr/>
-            <p:nvPr/>
-          </p:nvSpPr>
-          <p:spPr>
-            <a:xfrm>
-              <a:off x="5740162" y="2918868"/>
-              <a:ext cx="200965" cy="132065"/>
+            <p:cNvPr id="46" name="tx46"/>
+            <p:cNvSpPr/>
+            <p:nvPr/>
+          </p:nvSpPr>
+          <p:spPr>
+            <a:xfrm>
+              <a:off x="5527390" y="3527815"/>
+              <a:ext cx="160772" cy="103888"/>
             </a:xfrm>
             <a:prstGeom prst="rect">
               <a:avLst/>
@@ -3757,7 +3873,7 @@
             <a:p>
               <a:pPr algn="l" marL="0" marR="0" indent="0">
                 <a:lnSpc>
-                  <a:spcPts val="1422"/>
+                  <a:spcPts val="1138"/>
                 </a:lnSpc>
                 <a:spcBef>
                   <a:spcPts val="0"/>
@@ -3767,7 +3883,283 @@
                 </a:spcAft>
               </a:pPr>
               <a:r>
-                <a:rPr sz="1422">
+                <a:rPr sz="1138">
+                  <a:solidFill>
+                    <a:srgbClr val="000000">
+                      <a:alpha val="100000"/>
+                    </a:srgbClr>
+                  </a:solidFill>
+                  <a:latin typeface="Arial"/>
+                  <a:cs typeface="Arial"/>
+                </a:rPr>
+                <a:t>14</a:t>
+              </a:r>
+            </a:p>
+          </p:txBody>
+        </p:sp>
+        <p:sp>
+          <p:nvSpPr>
+            <p:cNvPr id="47" name="tx47"/>
+            <p:cNvSpPr/>
+            <p:nvPr/>
+          </p:nvSpPr>
+          <p:spPr>
+            <a:xfrm>
+              <a:off x="5414998" y="3704193"/>
+              <a:ext cx="385557" cy="135647"/>
+            </a:xfrm>
+            <a:prstGeom prst="rect">
+              <a:avLst/>
+            </a:prstGeom>
+            <a:noFill/>
+          </p:spPr>
+          <p:txBody>
+            <a:bodyPr lIns="0" rIns="0" tIns="0" bIns="0" anchorCtr="1" anchor="ctr" wrap="none"/>
+            <a:lstStyle/>
+            <a:p>
+              <a:pPr algn="l" marL="0" marR="0" indent="0">
+                <a:lnSpc>
+                  <a:spcPts val="1138"/>
+                </a:lnSpc>
+                <a:spcBef>
+                  <a:spcPts val="0"/>
+                </a:spcBef>
+                <a:spcAft>
+                  <a:spcPts val="0"/>
+                </a:spcAft>
+              </a:pPr>
+              <a:r>
+                <a:rPr sz="1138">
+                  <a:solidFill>
+                    <a:srgbClr val="000000">
+                      <a:alpha val="100000"/>
+                    </a:srgbClr>
+                  </a:solidFill>
+                  <a:latin typeface="Arial"/>
+                  <a:cs typeface="Arial"/>
+                </a:rPr>
+                <a:t>(10%)</a:t>
+              </a:r>
+            </a:p>
+          </p:txBody>
+        </p:sp>
+        <p:sp>
+          <p:nvSpPr>
+            <p:cNvPr id="48" name="tx48"/>
+            <p:cNvSpPr/>
+            <p:nvPr/>
+          </p:nvSpPr>
+          <p:spPr>
+            <a:xfrm>
+              <a:off x="6018765" y="3888357"/>
+              <a:ext cx="80386" cy="103817"/>
+            </a:xfrm>
+            <a:prstGeom prst="rect">
+              <a:avLst/>
+            </a:prstGeom>
+            <a:noFill/>
+          </p:spPr>
+          <p:txBody>
+            <a:bodyPr lIns="0" rIns="0" tIns="0" bIns="0" anchorCtr="1" anchor="ctr" wrap="none"/>
+            <a:lstStyle/>
+            <a:p>
+              <a:pPr algn="l" marL="0" marR="0" indent="0">
+                <a:lnSpc>
+                  <a:spcPts val="1138"/>
+                </a:lnSpc>
+                <a:spcBef>
+                  <a:spcPts val="0"/>
+                </a:spcBef>
+                <a:spcAft>
+                  <a:spcPts val="0"/>
+                </a:spcAft>
+              </a:pPr>
+              <a:r>
+                <a:rPr sz="1138">
+                  <a:solidFill>
+                    <a:srgbClr val="000000">
+                      <a:alpha val="100000"/>
+                    </a:srgbClr>
+                  </a:solidFill>
+                  <a:latin typeface="Arial"/>
+                  <a:cs typeface="Arial"/>
+                </a:rPr>
+                <a:t>5</a:t>
+              </a:r>
+            </a:p>
+          </p:txBody>
+        </p:sp>
+        <p:sp>
+          <p:nvSpPr>
+            <p:cNvPr id="49" name="tx49"/>
+            <p:cNvSpPr/>
+            <p:nvPr/>
+          </p:nvSpPr>
+          <p:spPr>
+            <a:xfrm>
+              <a:off x="5906373" y="4064665"/>
+              <a:ext cx="305171" cy="135647"/>
+            </a:xfrm>
+            <a:prstGeom prst="rect">
+              <a:avLst/>
+            </a:prstGeom>
+            <a:noFill/>
+          </p:spPr>
+          <p:txBody>
+            <a:bodyPr lIns="0" rIns="0" tIns="0" bIns="0" anchorCtr="1" anchor="ctr" wrap="none"/>
+            <a:lstStyle/>
+            <a:p>
+              <a:pPr algn="l" marL="0" marR="0" indent="0">
+                <a:lnSpc>
+                  <a:spcPts val="1138"/>
+                </a:lnSpc>
+                <a:spcBef>
+                  <a:spcPts val="0"/>
+                </a:spcBef>
+                <a:spcAft>
+                  <a:spcPts val="0"/>
+                </a:spcAft>
+              </a:pPr>
+              <a:r>
+                <a:rPr sz="1138">
+                  <a:solidFill>
+                    <a:srgbClr val="000000">
+                      <a:alpha val="100000"/>
+                    </a:srgbClr>
+                  </a:solidFill>
+                  <a:latin typeface="Arial"/>
+                  <a:cs typeface="Arial"/>
+                </a:rPr>
+                <a:t>(3%)</a:t>
+              </a:r>
+            </a:p>
+          </p:txBody>
+        </p:sp>
+        <p:sp>
+          <p:nvSpPr>
+            <p:cNvPr id="50" name="tx50"/>
+            <p:cNvSpPr/>
+            <p:nvPr/>
+          </p:nvSpPr>
+          <p:spPr>
+            <a:xfrm>
+              <a:off x="6429755" y="3407657"/>
+              <a:ext cx="160772" cy="103888"/>
+            </a:xfrm>
+            <a:prstGeom prst="rect">
+              <a:avLst/>
+            </a:prstGeom>
+            <a:noFill/>
+          </p:spPr>
+          <p:txBody>
+            <a:bodyPr lIns="0" rIns="0" tIns="0" bIns="0" anchorCtr="1" anchor="ctr" wrap="none"/>
+            <a:lstStyle/>
+            <a:p>
+              <a:pPr algn="l" marL="0" marR="0" indent="0">
+                <a:lnSpc>
+                  <a:spcPts val="1138"/>
+                </a:lnSpc>
+                <a:spcBef>
+                  <a:spcPts val="0"/>
+                </a:spcBef>
+                <a:spcAft>
+                  <a:spcPts val="0"/>
+                </a:spcAft>
+              </a:pPr>
+              <a:r>
+                <a:rPr sz="1138">
+                  <a:solidFill>
+                    <a:srgbClr val="000000">
+                      <a:alpha val="100000"/>
+                    </a:srgbClr>
+                  </a:solidFill>
+                  <a:latin typeface="Arial"/>
+                  <a:cs typeface="Arial"/>
+                </a:rPr>
+                <a:t>17</a:t>
+              </a:r>
+            </a:p>
+          </p:txBody>
+        </p:sp>
+        <p:sp>
+          <p:nvSpPr>
+            <p:cNvPr id="51" name="tx51"/>
+            <p:cNvSpPr/>
+            <p:nvPr/>
+          </p:nvSpPr>
+          <p:spPr>
+            <a:xfrm>
+              <a:off x="6317362" y="3584036"/>
+              <a:ext cx="385557" cy="135647"/>
+            </a:xfrm>
+            <a:prstGeom prst="rect">
+              <a:avLst/>
+            </a:prstGeom>
+            <a:noFill/>
+          </p:spPr>
+          <p:txBody>
+            <a:bodyPr lIns="0" rIns="0" tIns="0" bIns="0" anchorCtr="1" anchor="ctr" wrap="none"/>
+            <a:lstStyle/>
+            <a:p>
+              <a:pPr algn="l" marL="0" marR="0" indent="0">
+                <a:lnSpc>
+                  <a:spcPts val="1138"/>
+                </a:lnSpc>
+                <a:spcBef>
+                  <a:spcPts val="0"/>
+                </a:spcBef>
+                <a:spcAft>
+                  <a:spcPts val="0"/>
+                </a:spcAft>
+              </a:pPr>
+              <a:r>
+                <a:rPr sz="1138">
+                  <a:solidFill>
+                    <a:srgbClr val="000000">
+                      <a:alpha val="100000"/>
+                    </a:srgbClr>
+                  </a:solidFill>
+                  <a:latin typeface="Arial"/>
+                  <a:cs typeface="Arial"/>
+                </a:rPr>
+                <a:t>(12%)</a:t>
+              </a:r>
+            </a:p>
+          </p:txBody>
+        </p:sp>
+        <p:sp>
+          <p:nvSpPr>
+            <p:cNvPr id="52" name="tx52"/>
+            <p:cNvSpPr/>
+            <p:nvPr/>
+          </p:nvSpPr>
+          <p:spPr>
+            <a:xfrm>
+              <a:off x="6880937" y="3365840"/>
+              <a:ext cx="160772" cy="105652"/>
+            </a:xfrm>
+            <a:prstGeom prst="rect">
+              <a:avLst/>
+            </a:prstGeom>
+            <a:noFill/>
+          </p:spPr>
+          <p:txBody>
+            <a:bodyPr lIns="0" rIns="0" tIns="0" bIns="0" anchorCtr="1" anchor="ctr" wrap="none"/>
+            <a:lstStyle/>
+            <a:p>
+              <a:pPr algn="l" marL="0" marR="0" indent="0">
+                <a:lnSpc>
+                  <a:spcPts val="1138"/>
+                </a:lnSpc>
+                <a:spcBef>
+                  <a:spcPts val="0"/>
+                </a:spcBef>
+                <a:spcAft>
+                  <a:spcPts val="0"/>
+                </a:spcAft>
+              </a:pPr>
+              <a:r>
+                <a:rPr sz="1138">
                   <a:solidFill>
                     <a:srgbClr val="000000">
                       <a:alpha val="100000"/>
@@ -3783,14 +4175,14 @@
         </p:sp>
         <p:sp>
           <p:nvSpPr>
-            <p:cNvPr id="43" name="tx43"/>
-            <p:cNvSpPr/>
-            <p:nvPr/>
-          </p:nvSpPr>
-          <p:spPr>
-            <a:xfrm>
-              <a:off x="5599671" y="3141546"/>
-              <a:ext cx="481947" cy="169559"/>
+            <p:cNvPr id="53" name="tx53"/>
+            <p:cNvSpPr/>
+            <p:nvPr/>
+          </p:nvSpPr>
+          <p:spPr>
+            <a:xfrm>
+              <a:off x="6768544" y="3543983"/>
+              <a:ext cx="385557" cy="135647"/>
             </a:xfrm>
             <a:prstGeom prst="rect">
               <a:avLst/>
@@ -3803,7 +4195,7 @@
             <a:p>
               <a:pPr algn="l" marL="0" marR="0" indent="0">
                 <a:lnSpc>
-                  <a:spcPts val="1422"/>
+                  <a:spcPts val="1138"/>
                 </a:lnSpc>
                 <a:spcBef>
                   <a:spcPts val="0"/>
@@ -3813,7 +4205,7 @@
                 </a:spcAft>
               </a:pPr>
               <a:r>
-                <a:rPr sz="1422">
+                <a:rPr sz="1138">
                   <a:solidFill>
                     <a:srgbClr val="000000">
                       <a:alpha val="100000"/>
@@ -3822,21 +4214,21 @@
                   <a:latin typeface="Arial"/>
                   <a:cs typeface="Arial"/>
                 </a:rPr>
-                <a:t>(16%)</a:t>
+                <a:t>(12%)</a:t>
               </a:r>
             </a:p>
           </p:txBody>
         </p:sp>
         <p:sp>
           <p:nvSpPr>
-            <p:cNvPr id="44" name="tx44"/>
-            <p:cNvSpPr/>
-            <p:nvPr/>
-          </p:nvSpPr>
-          <p:spPr>
-            <a:xfrm>
-              <a:off x="6336887" y="2802144"/>
-              <a:ext cx="200965" cy="132065"/>
+            <p:cNvPr id="54" name="tx54"/>
+            <p:cNvSpPr/>
+            <p:nvPr/>
+          </p:nvSpPr>
+          <p:spPr>
+            <a:xfrm>
+              <a:off x="7332119" y="3285735"/>
+              <a:ext cx="160772" cy="105652"/>
             </a:xfrm>
             <a:prstGeom prst="rect">
               <a:avLst/>
@@ -3849,7 +4241,7 @@
             <a:p>
               <a:pPr algn="l" marL="0" marR="0" indent="0">
                 <a:lnSpc>
-                  <a:spcPts val="1422"/>
+                  <a:spcPts val="1138"/>
                 </a:lnSpc>
                 <a:spcBef>
                   <a:spcPts val="0"/>
@@ -3859,7 +4251,7 @@
                 </a:spcAft>
               </a:pPr>
               <a:r>
-                <a:rPr sz="1422">
+                <a:rPr sz="1138">
                   <a:solidFill>
                     <a:srgbClr val="000000">
                       <a:alpha val="100000"/>
@@ -3875,14 +4267,14 @@
         </p:sp>
         <p:sp>
           <p:nvSpPr>
-            <p:cNvPr id="45" name="tx45"/>
-            <p:cNvSpPr/>
-            <p:nvPr/>
-          </p:nvSpPr>
-          <p:spPr>
-            <a:xfrm>
-              <a:off x="6196396" y="3024822"/>
-              <a:ext cx="481947" cy="169559"/>
+            <p:cNvPr id="55" name="tx55"/>
+            <p:cNvSpPr/>
+            <p:nvPr/>
+          </p:nvSpPr>
+          <p:spPr>
+            <a:xfrm>
+              <a:off x="7219726" y="3463878"/>
+              <a:ext cx="385557" cy="135647"/>
             </a:xfrm>
             <a:prstGeom prst="rect">
               <a:avLst/>
@@ -3895,7 +4287,7 @@
             <a:p>
               <a:pPr algn="l" marL="0" marR="0" indent="0">
                 <a:lnSpc>
-                  <a:spcPts val="1422"/>
+                  <a:spcPts val="1138"/>
                 </a:lnSpc>
                 <a:spcBef>
                   <a:spcPts val="0"/>
@@ -3905,7 +4297,191 @@
                 </a:spcAft>
               </a:pPr>
               <a:r>
-                <a:rPr sz="1422">
+                <a:rPr sz="1138">
+                  <a:solidFill>
+                    <a:srgbClr val="000000">
+                      <a:alpha val="100000"/>
+                    </a:srgbClr>
+                  </a:solidFill>
+                  <a:latin typeface="Arial"/>
+                  <a:cs typeface="Arial"/>
+                </a:rPr>
+                <a:t>(14%)</a:t>
+              </a:r>
+            </a:p>
+          </p:txBody>
+        </p:sp>
+        <p:sp>
+          <p:nvSpPr>
+            <p:cNvPr id="56" name="tx56"/>
+            <p:cNvSpPr/>
+            <p:nvPr/>
+          </p:nvSpPr>
+          <p:spPr>
+            <a:xfrm>
+              <a:off x="7783301" y="2885140"/>
+              <a:ext cx="160772" cy="105723"/>
+            </a:xfrm>
+            <a:prstGeom prst="rect">
+              <a:avLst/>
+            </a:prstGeom>
+            <a:noFill/>
+          </p:spPr>
+          <p:txBody>
+            <a:bodyPr lIns="0" rIns="0" tIns="0" bIns="0" anchorCtr="1" anchor="ctr" wrap="none"/>
+            <a:lstStyle/>
+            <a:p>
+              <a:pPr algn="l" marL="0" marR="0" indent="0">
+                <a:lnSpc>
+                  <a:spcPts val="1138"/>
+                </a:lnSpc>
+                <a:spcBef>
+                  <a:spcPts val="0"/>
+                </a:spcBef>
+                <a:spcAft>
+                  <a:spcPts val="0"/>
+                </a:spcAft>
+              </a:pPr>
+              <a:r>
+                <a:rPr sz="1138">
+                  <a:solidFill>
+                    <a:srgbClr val="000000">
+                      <a:alpha val="100000"/>
+                    </a:srgbClr>
+                  </a:solidFill>
+                  <a:latin typeface="Arial"/>
+                  <a:cs typeface="Arial"/>
+                </a:rPr>
+                <a:t>30</a:t>
+              </a:r>
+            </a:p>
+          </p:txBody>
+        </p:sp>
+        <p:sp>
+          <p:nvSpPr>
+            <p:cNvPr id="57" name="tx57"/>
+            <p:cNvSpPr/>
+            <p:nvPr/>
+          </p:nvSpPr>
+          <p:spPr>
+            <a:xfrm>
+              <a:off x="7670909" y="3063354"/>
+              <a:ext cx="385557" cy="135647"/>
+            </a:xfrm>
+            <a:prstGeom prst="rect">
+              <a:avLst/>
+            </a:prstGeom>
+            <a:noFill/>
+          </p:spPr>
+          <p:txBody>
+            <a:bodyPr lIns="0" rIns="0" tIns="0" bIns="0" anchorCtr="1" anchor="ctr" wrap="none"/>
+            <a:lstStyle/>
+            <a:p>
+              <a:pPr algn="l" marL="0" marR="0" indent="0">
+                <a:lnSpc>
+                  <a:spcPts val="1138"/>
+                </a:lnSpc>
+                <a:spcBef>
+                  <a:spcPts val="0"/>
+                </a:spcBef>
+                <a:spcAft>
+                  <a:spcPts val="0"/>
+                </a:spcAft>
+              </a:pPr>
+              <a:r>
+                <a:rPr sz="1138">
+                  <a:solidFill>
+                    <a:srgbClr val="000000">
+                      <a:alpha val="100000"/>
+                    </a:srgbClr>
+                  </a:solidFill>
+                  <a:latin typeface="Arial"/>
+                  <a:cs typeface="Arial"/>
+                </a:rPr>
+                <a:t>(21%)</a:t>
+              </a:r>
+            </a:p>
+          </p:txBody>
+        </p:sp>
+        <p:sp>
+          <p:nvSpPr>
+            <p:cNvPr id="58" name="tx58"/>
+            <p:cNvSpPr/>
+            <p:nvPr/>
+          </p:nvSpPr>
+          <p:spPr>
+            <a:xfrm>
+              <a:off x="8234483" y="3085473"/>
+              <a:ext cx="160772" cy="105652"/>
+            </a:xfrm>
+            <a:prstGeom prst="rect">
+              <a:avLst/>
+            </a:prstGeom>
+            <a:noFill/>
+          </p:spPr>
+          <p:txBody>
+            <a:bodyPr lIns="0" rIns="0" tIns="0" bIns="0" anchorCtr="1" anchor="ctr" wrap="none"/>
+            <a:lstStyle/>
+            <a:p>
+              <a:pPr algn="l" marL="0" marR="0" indent="0">
+                <a:lnSpc>
+                  <a:spcPts val="1138"/>
+                </a:lnSpc>
+                <a:spcBef>
+                  <a:spcPts val="0"/>
+                </a:spcBef>
+                <a:spcAft>
+                  <a:spcPts val="0"/>
+                </a:spcAft>
+              </a:pPr>
+              <a:r>
+                <a:rPr sz="1138">
+                  <a:solidFill>
+                    <a:srgbClr val="000000">
+                      <a:alpha val="100000"/>
+                    </a:srgbClr>
+                  </a:solidFill>
+                  <a:latin typeface="Arial"/>
+                  <a:cs typeface="Arial"/>
+                </a:rPr>
+                <a:t>25</a:t>
+              </a:r>
+            </a:p>
+          </p:txBody>
+        </p:sp>
+        <p:sp>
+          <p:nvSpPr>
+            <p:cNvPr id="59" name="tx59"/>
+            <p:cNvSpPr/>
+            <p:nvPr/>
+          </p:nvSpPr>
+          <p:spPr>
+            <a:xfrm>
+              <a:off x="8122091" y="3263616"/>
+              <a:ext cx="385557" cy="135647"/>
+            </a:xfrm>
+            <a:prstGeom prst="rect">
+              <a:avLst/>
+            </a:prstGeom>
+            <a:noFill/>
+          </p:spPr>
+          <p:txBody>
+            <a:bodyPr lIns="0" rIns="0" tIns="0" bIns="0" anchorCtr="1" anchor="ctr" wrap="none"/>
+            <a:lstStyle/>
+            <a:p>
+              <a:pPr algn="l" marL="0" marR="0" indent="0">
+                <a:lnSpc>
+                  <a:spcPts val="1138"/>
+                </a:lnSpc>
+                <a:spcBef>
+                  <a:spcPts val="0"/>
+                </a:spcBef>
+                <a:spcAft>
+                  <a:spcPts val="0"/>
+                </a:spcAft>
+              </a:pPr>
+              <a:r>
+                <a:rPr sz="1138">
                   <a:solidFill>
                     <a:srgbClr val="000000">
                       <a:alpha val="100000"/>
@@ -3921,283 +4497,7 @@
         </p:sp>
         <p:sp>
           <p:nvSpPr>
-            <p:cNvPr id="46" name="tx46"/>
-            <p:cNvSpPr/>
-            <p:nvPr/>
-          </p:nvSpPr>
-          <p:spPr>
-            <a:xfrm>
-              <a:off x="6933612" y="2218434"/>
-              <a:ext cx="200965" cy="132153"/>
-            </a:xfrm>
-            <a:prstGeom prst="rect">
-              <a:avLst/>
-            </a:prstGeom>
-            <a:noFill/>
-          </p:spPr>
-          <p:txBody>
-            <a:bodyPr lIns="0" rIns="0" tIns="0" bIns="0" anchorCtr="1" anchor="ctr" wrap="none"/>
-            <a:lstStyle/>
-            <a:p>
-              <a:pPr algn="l" marL="0" marR="0" indent="0">
-                <a:lnSpc>
-                  <a:spcPts val="1422"/>
-                </a:lnSpc>
-                <a:spcBef>
-                  <a:spcPts val="0"/>
-                </a:spcBef>
-                <a:spcAft>
-                  <a:spcPts val="0"/>
-                </a:spcAft>
-              </a:pPr>
-              <a:r>
-                <a:rPr sz="1422">
-                  <a:solidFill>
-                    <a:srgbClr val="000000">
-                      <a:alpha val="100000"/>
-                    </a:srgbClr>
-                  </a:solidFill>
-                  <a:latin typeface="Arial"/>
-                  <a:cs typeface="Arial"/>
-                </a:rPr>
-                <a:t>30</a:t>
-              </a:r>
-            </a:p>
-          </p:txBody>
-        </p:sp>
-        <p:sp>
-          <p:nvSpPr>
-            <p:cNvPr id="47" name="tx47"/>
-            <p:cNvSpPr/>
-            <p:nvPr/>
-          </p:nvSpPr>
-          <p:spPr>
-            <a:xfrm>
-              <a:off x="6793121" y="2441201"/>
-              <a:ext cx="481947" cy="169559"/>
-            </a:xfrm>
-            <a:prstGeom prst="rect">
-              <a:avLst/>
-            </a:prstGeom>
-            <a:noFill/>
-          </p:spPr>
-          <p:txBody>
-            <a:bodyPr lIns="0" rIns="0" tIns="0" bIns="0" anchorCtr="1" anchor="ctr" wrap="none"/>
-            <a:lstStyle/>
-            <a:p>
-              <a:pPr algn="l" marL="0" marR="0" indent="0">
-                <a:lnSpc>
-                  <a:spcPts val="1422"/>
-                </a:lnSpc>
-                <a:spcBef>
-                  <a:spcPts val="0"/>
-                </a:spcBef>
-                <a:spcAft>
-                  <a:spcPts val="0"/>
-                </a:spcAft>
-              </a:pPr>
-              <a:r>
-                <a:rPr sz="1422">
-                  <a:solidFill>
-                    <a:srgbClr val="000000">
-                      <a:alpha val="100000"/>
-                    </a:srgbClr>
-                  </a:solidFill>
-                  <a:latin typeface="Arial"/>
-                  <a:cs typeface="Arial"/>
-                </a:rPr>
-                <a:t>(26%)</a:t>
-              </a:r>
-            </a:p>
-          </p:txBody>
-        </p:sp>
-        <p:sp>
-          <p:nvSpPr>
-            <p:cNvPr id="48" name="tx48"/>
-            <p:cNvSpPr/>
-            <p:nvPr/>
-          </p:nvSpPr>
-          <p:spPr>
-            <a:xfrm>
-              <a:off x="7530336" y="2510333"/>
-              <a:ext cx="200965" cy="132065"/>
-            </a:xfrm>
-            <a:prstGeom prst="rect">
-              <a:avLst/>
-            </a:prstGeom>
-            <a:noFill/>
-          </p:spPr>
-          <p:txBody>
-            <a:bodyPr lIns="0" rIns="0" tIns="0" bIns="0" anchorCtr="1" anchor="ctr" wrap="none"/>
-            <a:lstStyle/>
-            <a:p>
-              <a:pPr algn="l" marL="0" marR="0" indent="0">
-                <a:lnSpc>
-                  <a:spcPts val="1422"/>
-                </a:lnSpc>
-                <a:spcBef>
-                  <a:spcPts val="0"/>
-                </a:spcBef>
-                <a:spcAft>
-                  <a:spcPts val="0"/>
-                </a:spcAft>
-              </a:pPr>
-              <a:r>
-                <a:rPr sz="1422">
-                  <a:solidFill>
-                    <a:srgbClr val="000000">
-                      <a:alpha val="100000"/>
-                    </a:srgbClr>
-                  </a:solidFill>
-                  <a:latin typeface="Arial"/>
-                  <a:cs typeface="Arial"/>
-                </a:rPr>
-                <a:t>25</a:t>
-              </a:r>
-            </a:p>
-          </p:txBody>
-        </p:sp>
-        <p:sp>
-          <p:nvSpPr>
-            <p:cNvPr id="49" name="tx49"/>
-            <p:cNvSpPr/>
-            <p:nvPr/>
-          </p:nvSpPr>
-          <p:spPr>
-            <a:xfrm>
-              <a:off x="7389846" y="2733011"/>
-              <a:ext cx="481947" cy="169559"/>
-            </a:xfrm>
-            <a:prstGeom prst="rect">
-              <a:avLst/>
-            </a:prstGeom>
-            <a:noFill/>
-          </p:spPr>
-          <p:txBody>
-            <a:bodyPr lIns="0" rIns="0" tIns="0" bIns="0" anchorCtr="1" anchor="ctr" wrap="none"/>
-            <a:lstStyle/>
-            <a:p>
-              <a:pPr algn="l" marL="0" marR="0" indent="0">
-                <a:lnSpc>
-                  <a:spcPts val="1422"/>
-                </a:lnSpc>
-                <a:spcBef>
-                  <a:spcPts val="0"/>
-                </a:spcBef>
-                <a:spcAft>
-                  <a:spcPts val="0"/>
-                </a:spcAft>
-              </a:pPr>
-              <a:r>
-                <a:rPr sz="1422">
-                  <a:solidFill>
-                    <a:srgbClr val="000000">
-                      <a:alpha val="100000"/>
-                    </a:srgbClr>
-                  </a:solidFill>
-                  <a:latin typeface="Arial"/>
-                  <a:cs typeface="Arial"/>
-                </a:rPr>
-                <a:t>(22%)</a:t>
-              </a:r>
-            </a:p>
-          </p:txBody>
-        </p:sp>
-        <p:sp>
-          <p:nvSpPr>
-            <p:cNvPr id="50" name="tx50"/>
-            <p:cNvSpPr/>
-            <p:nvPr/>
-          </p:nvSpPr>
-          <p:spPr>
-            <a:xfrm>
-              <a:off x="8177303" y="3679870"/>
-              <a:ext cx="100482" cy="129771"/>
-            </a:xfrm>
-            <a:prstGeom prst="rect">
-              <a:avLst/>
-            </a:prstGeom>
-            <a:noFill/>
-          </p:spPr>
-          <p:txBody>
-            <a:bodyPr lIns="0" rIns="0" tIns="0" bIns="0" anchorCtr="1" anchor="ctr" wrap="none"/>
-            <a:lstStyle/>
-            <a:p>
-              <a:pPr algn="l" marL="0" marR="0" indent="0">
-                <a:lnSpc>
-                  <a:spcPts val="1422"/>
-                </a:lnSpc>
-                <a:spcBef>
-                  <a:spcPts val="0"/>
-                </a:spcBef>
-                <a:spcAft>
-                  <a:spcPts val="0"/>
-                </a:spcAft>
-              </a:pPr>
-              <a:r>
-                <a:rPr sz="1422">
-                  <a:solidFill>
-                    <a:srgbClr val="000000">
-                      <a:alpha val="100000"/>
-                    </a:srgbClr>
-                  </a:solidFill>
-                  <a:latin typeface="Arial"/>
-                  <a:cs typeface="Arial"/>
-                </a:rPr>
-                <a:t>5</a:t>
-              </a:r>
-            </a:p>
-          </p:txBody>
-        </p:sp>
-        <p:sp>
-          <p:nvSpPr>
-            <p:cNvPr id="51" name="tx51"/>
-            <p:cNvSpPr/>
-            <p:nvPr/>
-          </p:nvSpPr>
-          <p:spPr>
-            <a:xfrm>
-              <a:off x="8036812" y="3900254"/>
-              <a:ext cx="381464" cy="169559"/>
-            </a:xfrm>
-            <a:prstGeom prst="rect">
-              <a:avLst/>
-            </a:prstGeom>
-            <a:noFill/>
-          </p:spPr>
-          <p:txBody>
-            <a:bodyPr lIns="0" rIns="0" tIns="0" bIns="0" anchorCtr="1" anchor="ctr" wrap="none"/>
-            <a:lstStyle/>
-            <a:p>
-              <a:pPr algn="l" marL="0" marR="0" indent="0">
-                <a:lnSpc>
-                  <a:spcPts val="1422"/>
-                </a:lnSpc>
-                <a:spcBef>
-                  <a:spcPts val="0"/>
-                </a:spcBef>
-                <a:spcAft>
-                  <a:spcPts val="0"/>
-                </a:spcAft>
-              </a:pPr>
-              <a:r>
-                <a:rPr sz="1422">
-                  <a:solidFill>
-                    <a:srgbClr val="000000">
-                      <a:alpha val="100000"/>
-                    </a:srgbClr>
-                  </a:solidFill>
-                  <a:latin typeface="Arial"/>
-                  <a:cs typeface="Arial"/>
-                </a:rPr>
-                <a:t>(4%)</a:t>
-              </a:r>
-            </a:p>
-          </p:txBody>
-        </p:sp>
-        <p:sp>
-          <p:nvSpPr>
-            <p:cNvPr id="52" name="rc52"/>
+            <p:cNvPr id="60" name="rc60"/>
             <p:cNvSpPr/>
             <p:nvPr/>
           </p:nvSpPr>
@@ -4223,14 +4523,14 @@
         </p:sp>
         <p:sp>
           <p:nvSpPr>
-            <p:cNvPr id="53" name="tx53"/>
-            <p:cNvSpPr/>
-            <p:nvPr/>
-          </p:nvSpPr>
-          <p:spPr>
-            <a:xfrm>
-              <a:off x="1944983" y="1362104"/>
-              <a:ext cx="1979669" cy="163455"/>
+            <p:cNvPr id="61" name="tx61"/>
+            <p:cNvSpPr/>
+            <p:nvPr/>
+          </p:nvSpPr>
+          <p:spPr>
+            <a:xfrm>
+              <a:off x="1896550" y="1362104"/>
+              <a:ext cx="2076535" cy="163455"/>
             </a:xfrm>
             <a:prstGeom prst="rect">
               <a:avLst/>
@@ -4262,14 +4562,14 @@
                   <a:latin typeface="Arial"/>
                   <a:cs typeface="Arial"/>
                 </a:rPr>
-                <a:t>Reproductive life (N = 83)</a:t>
+                <a:t>Reproductive life (N = 146)</a:t>
               </a:r>
             </a:p>
           </p:txBody>
         </p:sp>
         <p:sp>
           <p:nvSpPr>
-            <p:cNvPr id="54" name="rc54"/>
+            <p:cNvPr id="62" name="rc62"/>
             <p:cNvSpPr/>
             <p:nvPr/>
           </p:nvSpPr>
@@ -4295,7 +4595,7 @@
         </p:sp>
         <p:sp>
           <p:nvSpPr>
-            <p:cNvPr id="55" name="tx55"/>
+            <p:cNvPr id="63" name="tx63"/>
             <p:cNvSpPr/>
             <p:nvPr/>
           </p:nvSpPr>
@@ -4334,14 +4634,14 @@
                   <a:latin typeface="Arial"/>
                   <a:cs typeface="Arial"/>
                 </a:rPr>
-                <a:t>Sexual life (N = 115)</a:t>
+                <a:t>Sexual life (N = 146)</a:t>
               </a:r>
             </a:p>
           </p:txBody>
         </p:sp>
         <p:sp>
           <p:nvSpPr>
-            <p:cNvPr id="56" name="pl56"/>
+            <p:cNvPr id="64" name="pl64"/>
             <p:cNvSpPr/>
             <p:nvPr/>
           </p:nvSpPr>
@@ -4381,13 +4681,13 @@
         </p:sp>
         <p:sp>
           <p:nvSpPr>
-            <p:cNvPr id="57" name="pl57"/>
-            <p:cNvSpPr/>
-            <p:nvPr/>
-          </p:nvSpPr>
-          <p:spPr>
-            <a:xfrm>
-              <a:off x="1443005" y="4658510"/>
+            <p:cNvPr id="65" name="pl65"/>
+            <p:cNvSpPr/>
+            <p:nvPr/>
+          </p:nvSpPr>
+          <p:spPr>
+            <a:xfrm>
+              <a:off x="1355680" y="4658510"/>
               <a:ext cx="0" cy="50610"/>
             </a:xfrm>
             <a:custGeom>
@@ -4421,13 +4721,13 @@
         </p:sp>
         <p:sp>
           <p:nvSpPr>
-            <p:cNvPr id="58" name="pl58"/>
-            <p:cNvSpPr/>
-            <p:nvPr/>
-          </p:nvSpPr>
-          <p:spPr>
-            <a:xfrm>
-              <a:off x="2039730" y="4658510"/>
+            <p:cNvPr id="66" name="pl66"/>
+            <p:cNvSpPr/>
+            <p:nvPr/>
+          </p:nvSpPr>
+          <p:spPr>
+            <a:xfrm>
+              <a:off x="1806862" y="4658510"/>
               <a:ext cx="0" cy="50610"/>
             </a:xfrm>
             <a:custGeom>
@@ -4461,13 +4761,13 @@
         </p:sp>
         <p:sp>
           <p:nvSpPr>
-            <p:cNvPr id="59" name="pl59"/>
-            <p:cNvSpPr/>
-            <p:nvPr/>
-          </p:nvSpPr>
-          <p:spPr>
-            <a:xfrm>
-              <a:off x="2636455" y="4658510"/>
+            <p:cNvPr id="67" name="pl67"/>
+            <p:cNvSpPr/>
+            <p:nvPr/>
+          </p:nvSpPr>
+          <p:spPr>
+            <a:xfrm>
+              <a:off x="2258044" y="4658510"/>
               <a:ext cx="0" cy="50610"/>
             </a:xfrm>
             <a:custGeom>
@@ -4501,13 +4801,13 @@
         </p:sp>
         <p:sp>
           <p:nvSpPr>
-            <p:cNvPr id="60" name="pl60"/>
-            <p:cNvSpPr/>
-            <p:nvPr/>
-          </p:nvSpPr>
-          <p:spPr>
-            <a:xfrm>
-              <a:off x="3233180" y="4658510"/>
+            <p:cNvPr id="68" name="pl68"/>
+            <p:cNvSpPr/>
+            <p:nvPr/>
+          </p:nvSpPr>
+          <p:spPr>
+            <a:xfrm>
+              <a:off x="2709226" y="4658510"/>
               <a:ext cx="0" cy="50610"/>
             </a:xfrm>
             <a:custGeom>
@@ -4541,13 +4841,13 @@
         </p:sp>
         <p:sp>
           <p:nvSpPr>
-            <p:cNvPr id="61" name="pl61"/>
-            <p:cNvSpPr/>
-            <p:nvPr/>
-          </p:nvSpPr>
-          <p:spPr>
-            <a:xfrm>
-              <a:off x="3829905" y="4658510"/>
+            <p:cNvPr id="69" name="pl69"/>
+            <p:cNvSpPr/>
+            <p:nvPr/>
+          </p:nvSpPr>
+          <p:spPr>
+            <a:xfrm>
+              <a:off x="3160408" y="4658510"/>
               <a:ext cx="0" cy="50610"/>
             </a:xfrm>
             <a:custGeom>
@@ -4581,13 +4881,13 @@
         </p:sp>
         <p:sp>
           <p:nvSpPr>
-            <p:cNvPr id="62" name="pl62"/>
-            <p:cNvSpPr/>
-            <p:nvPr/>
-          </p:nvSpPr>
-          <p:spPr>
-            <a:xfrm>
-              <a:off x="4426629" y="4658510"/>
+            <p:cNvPr id="70" name="pl70"/>
+            <p:cNvSpPr/>
+            <p:nvPr/>
+          </p:nvSpPr>
+          <p:spPr>
+            <a:xfrm>
+              <a:off x="3611591" y="4658510"/>
               <a:ext cx="0" cy="50610"/>
             </a:xfrm>
             <a:custGeom>
@@ -4621,13 +4921,231 @@
         </p:sp>
         <p:sp>
           <p:nvSpPr>
-            <p:cNvPr id="63" name="tx63"/>
+            <p:cNvPr id="71" name="pl71"/>
+            <p:cNvSpPr/>
+            <p:nvPr/>
+          </p:nvSpPr>
+          <p:spPr>
+            <a:xfrm>
+              <a:off x="4062773" y="4658510"/>
+              <a:ext cx="0" cy="50610"/>
+            </a:xfrm>
+            <a:custGeom>
+              <a:avLst/>
+              <a:pathLst>
+                <a:path w="0" h="50610">
+                  <a:moveTo>
+                    <a:pt x="0" y="50610"/>
+                  </a:moveTo>
+                  <a:lnTo>
+                    <a:pt x="0" y="0"/>
+                  </a:lnTo>
+                </a:path>
+              </a:pathLst>
+            </a:custGeom>
+            <a:ln w="13550" cap="flat">
+              <a:solidFill>
+                <a:srgbClr val="000000">
+                  <a:alpha val="100000"/>
+                </a:srgbClr>
+              </a:solidFill>
+              <a:prstDash val="solid"/>
+              <a:round/>
+            </a:ln>
+          </p:spPr>
+          <p:txBody>
+            <a:bodyPr/>
+            <a:lstStyle/>
+            <a:p/>
+          </p:txBody>
+        </p:sp>
+        <p:sp>
+          <p:nvSpPr>
+            <p:cNvPr id="72" name="pl72"/>
+            <p:cNvSpPr/>
+            <p:nvPr/>
+          </p:nvSpPr>
+          <p:spPr>
+            <a:xfrm>
+              <a:off x="4513955" y="4658510"/>
+              <a:ext cx="0" cy="50610"/>
+            </a:xfrm>
+            <a:custGeom>
+              <a:avLst/>
+              <a:pathLst>
+                <a:path w="0" h="50610">
+                  <a:moveTo>
+                    <a:pt x="0" y="50610"/>
+                  </a:moveTo>
+                  <a:lnTo>
+                    <a:pt x="0" y="0"/>
+                  </a:lnTo>
+                </a:path>
+              </a:pathLst>
+            </a:custGeom>
+            <a:ln w="13550" cap="flat">
+              <a:solidFill>
+                <a:srgbClr val="000000">
+                  <a:alpha val="100000"/>
+                </a:srgbClr>
+              </a:solidFill>
+              <a:prstDash val="solid"/>
+              <a:round/>
+            </a:ln>
+          </p:spPr>
+          <p:txBody>
+            <a:bodyPr/>
+            <a:lstStyle/>
+            <a:p/>
+          </p:txBody>
+        </p:sp>
+        <p:sp>
+          <p:nvSpPr>
+            <p:cNvPr id="73" name="tx73"/>
             <p:cNvSpPr/>
             <p:nvPr/>
           </p:nvSpPr>
           <p:spPr>
             <a:xfrm rot="-2700000">
-              <a:off x="899689" y="4975508"/>
+              <a:off x="610345" y="5059186"/>
+              <a:ext cx="924010" cy="126716"/>
+            </a:xfrm>
+            <a:prstGeom prst="rect">
+              <a:avLst/>
+            </a:prstGeom>
+            <a:noFill/>
+          </p:spPr>
+          <p:txBody>
+            <a:bodyPr lIns="0" rIns="0" tIns="0" bIns="0" anchorCtr="1" anchor="ctr" wrap="none"/>
+            <a:lstStyle/>
+            <a:p>
+              <a:pPr algn="l" marL="0" marR="0" indent="0">
+                <a:lnSpc>
+                  <a:spcPts val="1371"/>
+                </a:lnSpc>
+                <a:spcBef>
+                  <a:spcPts val="0"/>
+                </a:spcBef>
+                <a:spcAft>
+                  <a:spcPts val="0"/>
+                </a:spcAft>
+              </a:pPr>
+              <a:r>
+                <a:rPr sz="1371">
+                  <a:solidFill>
+                    <a:srgbClr val="000000">
+                      <a:alpha val="100000"/>
+                    </a:srgbClr>
+                  </a:solidFill>
+                  <a:latin typeface="Arial"/>
+                  <a:cs typeface="Arial"/>
+                </a:rPr>
+                <a:t>I don't know</a:t>
+              </a:r>
+            </a:p>
+          </p:txBody>
+        </p:sp>
+        <p:sp>
+          <p:nvSpPr>
+            <p:cNvPr id="74" name="tx74"/>
+            <p:cNvSpPr/>
+            <p:nvPr/>
+          </p:nvSpPr>
+          <p:spPr>
+            <a:xfrm rot="-2700000">
+              <a:off x="896556" y="5094948"/>
+              <a:ext cx="1103794" cy="159288"/>
+            </a:xfrm>
+            <a:prstGeom prst="rect">
+              <a:avLst/>
+            </a:prstGeom>
+            <a:noFill/>
+          </p:spPr>
+          <p:txBody>
+            <a:bodyPr lIns="0" rIns="0" tIns="0" bIns="0" anchorCtr="1" anchor="ctr" wrap="none"/>
+            <a:lstStyle/>
+            <a:p>
+              <a:pPr algn="l" marL="0" marR="0" indent="0">
+                <a:lnSpc>
+                  <a:spcPts val="1371"/>
+                </a:lnSpc>
+                <a:spcBef>
+                  <a:spcPts val="0"/>
+                </a:spcBef>
+                <a:spcAft>
+                  <a:spcPts val="0"/>
+                </a:spcAft>
+              </a:pPr>
+              <a:r>
+                <a:rPr sz="1371">
+                  <a:solidFill>
+                    <a:srgbClr val="000000">
+                      <a:alpha val="100000"/>
+                    </a:srgbClr>
+                  </a:solidFill>
+                  <a:latin typeface="Arial"/>
+                  <a:cs typeface="Arial"/>
+                </a:rPr>
+                <a:t>Not applicable</a:t>
+              </a:r>
+            </a:p>
+          </p:txBody>
+        </p:sp>
+        <p:sp>
+          <p:nvSpPr>
+            <p:cNvPr id="75" name="tx75"/>
+            <p:cNvSpPr/>
+            <p:nvPr/>
+          </p:nvSpPr>
+          <p:spPr>
+            <a:xfrm rot="-2700000">
+              <a:off x="859907" y="5329586"/>
+              <a:ext cx="1688816" cy="126716"/>
+            </a:xfrm>
+            <a:prstGeom prst="rect">
+              <a:avLst/>
+            </a:prstGeom>
+            <a:noFill/>
+          </p:spPr>
+          <p:txBody>
+            <a:bodyPr lIns="0" rIns="0" tIns="0" bIns="0" anchorCtr="1" anchor="ctr" wrap="none"/>
+            <a:lstStyle/>
+            <a:p>
+              <a:pPr algn="l" marL="0" marR="0" indent="0">
+                <a:lnSpc>
+                  <a:spcPts val="1371"/>
+                </a:lnSpc>
+                <a:spcBef>
+                  <a:spcPts val="0"/>
+                </a:spcBef>
+                <a:spcAft>
+                  <a:spcPts val="0"/>
+                </a:spcAft>
+              </a:pPr>
+              <a:r>
+                <a:rPr sz="1371">
+                  <a:solidFill>
+                    <a:srgbClr val="000000">
+                      <a:alpha val="100000"/>
+                    </a:srgbClr>
+                  </a:solidFill>
+                  <a:latin typeface="Arial"/>
+                  <a:cs typeface="Arial"/>
+                </a:rPr>
+                <a:t>I don't want to answer</a:t>
+              </a:r>
+            </a:p>
+          </p:txBody>
+        </p:sp>
+        <p:sp>
+          <p:nvSpPr>
+            <p:cNvPr id="76" name="tx76"/>
+            <p:cNvSpPr/>
+            <p:nvPr/>
+          </p:nvSpPr>
+          <p:spPr>
+            <a:xfrm rot="-2700000">
+              <a:off x="2165910" y="4975508"/>
               <a:ext cx="687330" cy="126716"/>
             </a:xfrm>
             <a:prstGeom prst="rect">
@@ -4667,13 +5185,13 @@
         </p:sp>
         <p:sp>
           <p:nvSpPr>
-            <p:cNvPr id="64" name="tx64"/>
+            <p:cNvPr id="77" name="tx77"/>
             <p:cNvSpPr/>
             <p:nvPr/>
           </p:nvSpPr>
           <p:spPr>
             <a:xfrm rot="-2700000">
-              <a:off x="1590858" y="4899648"/>
+              <a:off x="2711537" y="4899648"/>
               <a:ext cx="561464" cy="163455"/>
             </a:xfrm>
             <a:prstGeom prst="rect">
@@ -4713,13 +5231,13 @@
         </p:sp>
         <p:sp>
           <p:nvSpPr>
-            <p:cNvPr id="65" name="tx65"/>
+            <p:cNvPr id="78" name="tx78"/>
             <p:cNvSpPr/>
             <p:nvPr/>
           </p:nvSpPr>
           <p:spPr>
             <a:xfrm rot="-2700000">
-              <a:off x="1932164" y="5007572"/>
+              <a:off x="2907300" y="5007572"/>
               <a:ext cx="861587" cy="161329"/>
             </a:xfrm>
             <a:prstGeom prst="rect">
@@ -4759,13 +5277,13 @@
         </p:sp>
         <p:sp>
           <p:nvSpPr>
-            <p:cNvPr id="66" name="tx66"/>
+            <p:cNvPr id="79" name="tx79"/>
             <p:cNvSpPr/>
             <p:nvPr/>
           </p:nvSpPr>
           <p:spPr>
             <a:xfrm rot="-2700000">
-              <a:off x="2979063" y="4855717"/>
+              <a:off x="3808656" y="4855717"/>
               <a:ext cx="348512" cy="126716"/>
             </a:xfrm>
             <a:prstGeom prst="rect">
@@ -4805,13 +5323,13 @@
         </p:sp>
         <p:sp>
           <p:nvSpPr>
-            <p:cNvPr id="67" name="tx67"/>
+            <p:cNvPr id="80" name="tx80"/>
             <p:cNvSpPr/>
             <p:nvPr/>
           </p:nvSpPr>
           <p:spPr>
             <a:xfrm rot="-2700000">
-              <a:off x="3200164" y="4976693"/>
+              <a:off x="3884215" y="4976693"/>
               <a:ext cx="774246" cy="161329"/>
             </a:xfrm>
             <a:prstGeom prst="rect">
@@ -4851,53 +5369,7 @@
         </p:sp>
         <p:sp>
           <p:nvSpPr>
-            <p:cNvPr id="68" name="tx68"/>
-            <p:cNvSpPr/>
-            <p:nvPr/>
-          </p:nvSpPr>
-          <p:spPr>
-            <a:xfrm rot="-2700000">
-              <a:off x="3028492" y="5329586"/>
-              <a:ext cx="1688816" cy="126716"/>
-            </a:xfrm>
-            <a:prstGeom prst="rect">
-              <a:avLst/>
-            </a:prstGeom>
-            <a:noFill/>
-          </p:spPr>
-          <p:txBody>
-            <a:bodyPr lIns="0" rIns="0" tIns="0" bIns="0" anchorCtr="1" anchor="ctr" wrap="none"/>
-            <a:lstStyle/>
-            <a:p>
-              <a:pPr algn="l" marL="0" marR="0" indent="0">
-                <a:lnSpc>
-                  <a:spcPts val="1371"/>
-                </a:lnSpc>
-                <a:spcBef>
-                  <a:spcPts val="0"/>
-                </a:spcBef>
-                <a:spcAft>
-                  <a:spcPts val="0"/>
-                </a:spcAft>
-              </a:pPr>
-              <a:r>
-                <a:rPr sz="1371">
-                  <a:solidFill>
-                    <a:srgbClr val="000000">
-                      <a:alpha val="100000"/>
-                    </a:srgbClr>
-                  </a:solidFill>
-                  <a:latin typeface="Arial"/>
-                  <a:cs typeface="Arial"/>
-                </a:rPr>
-                <a:t>I don't want to answer</a:t>
-              </a:r>
-            </a:p>
-          </p:txBody>
-        </p:sp>
-        <p:sp>
-          <p:nvSpPr>
-            <p:cNvPr id="69" name="pl69"/>
+            <p:cNvPr id="81" name="pl81"/>
             <p:cNvSpPr/>
             <p:nvPr/>
           </p:nvSpPr>
@@ -4937,13 +5409,13 @@
         </p:sp>
         <p:sp>
           <p:nvSpPr>
-            <p:cNvPr id="70" name="pl70"/>
-            <p:cNvSpPr/>
-            <p:nvPr/>
-          </p:nvSpPr>
-          <p:spPr>
-            <a:xfrm>
-              <a:off x="5243920" y="4658510"/>
+            <p:cNvPr id="82" name="pl82"/>
+            <p:cNvSpPr/>
+            <p:nvPr/>
+          </p:nvSpPr>
+          <p:spPr>
+            <a:xfrm>
+              <a:off x="5156594" y="4658510"/>
               <a:ext cx="0" cy="50610"/>
             </a:xfrm>
             <a:custGeom>
@@ -4977,13 +5449,13 @@
         </p:sp>
         <p:sp>
           <p:nvSpPr>
-            <p:cNvPr id="71" name="pl71"/>
-            <p:cNvSpPr/>
-            <p:nvPr/>
-          </p:nvSpPr>
-          <p:spPr>
-            <a:xfrm>
-              <a:off x="5840645" y="4658510"/>
+            <p:cNvPr id="83" name="pl83"/>
+            <p:cNvSpPr/>
+            <p:nvPr/>
+          </p:nvSpPr>
+          <p:spPr>
+            <a:xfrm>
+              <a:off x="5607776" y="4658510"/>
               <a:ext cx="0" cy="50610"/>
             </a:xfrm>
             <a:custGeom>
@@ -5017,13 +5489,13 @@
         </p:sp>
         <p:sp>
           <p:nvSpPr>
-            <p:cNvPr id="72" name="pl72"/>
-            <p:cNvSpPr/>
-            <p:nvPr/>
-          </p:nvSpPr>
-          <p:spPr>
-            <a:xfrm>
-              <a:off x="6437370" y="4658510"/>
+            <p:cNvPr id="84" name="pl84"/>
+            <p:cNvSpPr/>
+            <p:nvPr/>
+          </p:nvSpPr>
+          <p:spPr>
+            <a:xfrm>
+              <a:off x="6058959" y="4658510"/>
               <a:ext cx="0" cy="50610"/>
             </a:xfrm>
             <a:custGeom>
@@ -5057,13 +5529,13 @@
         </p:sp>
         <p:sp>
           <p:nvSpPr>
-            <p:cNvPr id="73" name="pl73"/>
-            <p:cNvSpPr/>
-            <p:nvPr/>
-          </p:nvSpPr>
-          <p:spPr>
-            <a:xfrm>
-              <a:off x="7034094" y="4658510"/>
+            <p:cNvPr id="85" name="pl85"/>
+            <p:cNvSpPr/>
+            <p:nvPr/>
+          </p:nvSpPr>
+          <p:spPr>
+            <a:xfrm>
+              <a:off x="6510141" y="4658510"/>
               <a:ext cx="0" cy="50610"/>
             </a:xfrm>
             <a:custGeom>
@@ -5097,13 +5569,13 @@
         </p:sp>
         <p:sp>
           <p:nvSpPr>
-            <p:cNvPr id="74" name="pl74"/>
-            <p:cNvSpPr/>
-            <p:nvPr/>
-          </p:nvSpPr>
-          <p:spPr>
-            <a:xfrm>
-              <a:off x="7630819" y="4658510"/>
+            <p:cNvPr id="86" name="pl86"/>
+            <p:cNvSpPr/>
+            <p:nvPr/>
+          </p:nvSpPr>
+          <p:spPr>
+            <a:xfrm>
+              <a:off x="6961323" y="4658510"/>
               <a:ext cx="0" cy="50610"/>
             </a:xfrm>
             <a:custGeom>
@@ -5137,13 +5609,13 @@
         </p:sp>
         <p:sp>
           <p:nvSpPr>
-            <p:cNvPr id="75" name="pl75"/>
-            <p:cNvSpPr/>
-            <p:nvPr/>
-          </p:nvSpPr>
-          <p:spPr>
-            <a:xfrm>
-              <a:off x="8227544" y="4658510"/>
+            <p:cNvPr id="87" name="pl87"/>
+            <p:cNvSpPr/>
+            <p:nvPr/>
+          </p:nvSpPr>
+          <p:spPr>
+            <a:xfrm>
+              <a:off x="7412505" y="4658510"/>
               <a:ext cx="0" cy="50610"/>
             </a:xfrm>
             <a:custGeom>
@@ -5177,13 +5649,231 @@
         </p:sp>
         <p:sp>
           <p:nvSpPr>
-            <p:cNvPr id="76" name="tx76"/>
+            <p:cNvPr id="88" name="pl88"/>
+            <p:cNvSpPr/>
+            <p:nvPr/>
+          </p:nvSpPr>
+          <p:spPr>
+            <a:xfrm>
+              <a:off x="7863688" y="4658510"/>
+              <a:ext cx="0" cy="50610"/>
+            </a:xfrm>
+            <a:custGeom>
+              <a:avLst/>
+              <a:pathLst>
+                <a:path w="0" h="50610">
+                  <a:moveTo>
+                    <a:pt x="0" y="50610"/>
+                  </a:moveTo>
+                  <a:lnTo>
+                    <a:pt x="0" y="0"/>
+                  </a:lnTo>
+                </a:path>
+              </a:pathLst>
+            </a:custGeom>
+            <a:ln w="13550" cap="flat">
+              <a:solidFill>
+                <a:srgbClr val="000000">
+                  <a:alpha val="100000"/>
+                </a:srgbClr>
+              </a:solidFill>
+              <a:prstDash val="solid"/>
+              <a:round/>
+            </a:ln>
+          </p:spPr>
+          <p:txBody>
+            <a:bodyPr/>
+            <a:lstStyle/>
+            <a:p/>
+          </p:txBody>
+        </p:sp>
+        <p:sp>
+          <p:nvSpPr>
+            <p:cNvPr id="89" name="pl89"/>
+            <p:cNvSpPr/>
+            <p:nvPr/>
+          </p:nvSpPr>
+          <p:spPr>
+            <a:xfrm>
+              <a:off x="8314870" y="4658510"/>
+              <a:ext cx="0" cy="50610"/>
+            </a:xfrm>
+            <a:custGeom>
+              <a:avLst/>
+              <a:pathLst>
+                <a:path w="0" h="50610">
+                  <a:moveTo>
+                    <a:pt x="0" y="50610"/>
+                  </a:moveTo>
+                  <a:lnTo>
+                    <a:pt x="0" y="0"/>
+                  </a:lnTo>
+                </a:path>
+              </a:pathLst>
+            </a:custGeom>
+            <a:ln w="13550" cap="flat">
+              <a:solidFill>
+                <a:srgbClr val="000000">
+                  <a:alpha val="100000"/>
+                </a:srgbClr>
+              </a:solidFill>
+              <a:prstDash val="solid"/>
+              <a:round/>
+            </a:ln>
+          </p:spPr>
+          <p:txBody>
+            <a:bodyPr/>
+            <a:lstStyle/>
+            <a:p/>
+          </p:txBody>
+        </p:sp>
+        <p:sp>
+          <p:nvSpPr>
+            <p:cNvPr id="90" name="tx90"/>
             <p:cNvSpPr/>
             <p:nvPr/>
           </p:nvSpPr>
           <p:spPr>
             <a:xfrm rot="-2700000">
-              <a:off x="4700604" y="4975508"/>
+              <a:off x="4411260" y="5059186"/>
+              <a:ext cx="924010" cy="126716"/>
+            </a:xfrm>
+            <a:prstGeom prst="rect">
+              <a:avLst/>
+            </a:prstGeom>
+            <a:noFill/>
+          </p:spPr>
+          <p:txBody>
+            <a:bodyPr lIns="0" rIns="0" tIns="0" bIns="0" anchorCtr="1" anchor="ctr" wrap="none"/>
+            <a:lstStyle/>
+            <a:p>
+              <a:pPr algn="l" marL="0" marR="0" indent="0">
+                <a:lnSpc>
+                  <a:spcPts val="1371"/>
+                </a:lnSpc>
+                <a:spcBef>
+                  <a:spcPts val="0"/>
+                </a:spcBef>
+                <a:spcAft>
+                  <a:spcPts val="0"/>
+                </a:spcAft>
+              </a:pPr>
+              <a:r>
+                <a:rPr sz="1371">
+                  <a:solidFill>
+                    <a:srgbClr val="000000">
+                      <a:alpha val="100000"/>
+                    </a:srgbClr>
+                  </a:solidFill>
+                  <a:latin typeface="Arial"/>
+                  <a:cs typeface="Arial"/>
+                </a:rPr>
+                <a:t>I don't know</a:t>
+              </a:r>
+            </a:p>
+          </p:txBody>
+        </p:sp>
+        <p:sp>
+          <p:nvSpPr>
+            <p:cNvPr id="91" name="tx91"/>
+            <p:cNvSpPr/>
+            <p:nvPr/>
+          </p:nvSpPr>
+          <p:spPr>
+            <a:xfrm rot="-2700000">
+              <a:off x="4697471" y="5094948"/>
+              <a:ext cx="1103794" cy="159288"/>
+            </a:xfrm>
+            <a:prstGeom prst="rect">
+              <a:avLst/>
+            </a:prstGeom>
+            <a:noFill/>
+          </p:spPr>
+          <p:txBody>
+            <a:bodyPr lIns="0" rIns="0" tIns="0" bIns="0" anchorCtr="1" anchor="ctr" wrap="none"/>
+            <a:lstStyle/>
+            <a:p>
+              <a:pPr algn="l" marL="0" marR="0" indent="0">
+                <a:lnSpc>
+                  <a:spcPts val="1371"/>
+                </a:lnSpc>
+                <a:spcBef>
+                  <a:spcPts val="0"/>
+                </a:spcBef>
+                <a:spcAft>
+                  <a:spcPts val="0"/>
+                </a:spcAft>
+              </a:pPr>
+              <a:r>
+                <a:rPr sz="1371">
+                  <a:solidFill>
+                    <a:srgbClr val="000000">
+                      <a:alpha val="100000"/>
+                    </a:srgbClr>
+                  </a:solidFill>
+                  <a:latin typeface="Arial"/>
+                  <a:cs typeface="Arial"/>
+                </a:rPr>
+                <a:t>Not applicable</a:t>
+              </a:r>
+            </a:p>
+          </p:txBody>
+        </p:sp>
+        <p:sp>
+          <p:nvSpPr>
+            <p:cNvPr id="92" name="tx92"/>
+            <p:cNvSpPr/>
+            <p:nvPr/>
+          </p:nvSpPr>
+          <p:spPr>
+            <a:xfrm rot="-2700000">
+              <a:off x="4660821" y="5329586"/>
+              <a:ext cx="1688816" cy="126716"/>
+            </a:xfrm>
+            <a:prstGeom prst="rect">
+              <a:avLst/>
+            </a:prstGeom>
+            <a:noFill/>
+          </p:spPr>
+          <p:txBody>
+            <a:bodyPr lIns="0" rIns="0" tIns="0" bIns="0" anchorCtr="1" anchor="ctr" wrap="none"/>
+            <a:lstStyle/>
+            <a:p>
+              <a:pPr algn="l" marL="0" marR="0" indent="0">
+                <a:lnSpc>
+                  <a:spcPts val="1371"/>
+                </a:lnSpc>
+                <a:spcBef>
+                  <a:spcPts val="0"/>
+                </a:spcBef>
+                <a:spcAft>
+                  <a:spcPts val="0"/>
+                </a:spcAft>
+              </a:pPr>
+              <a:r>
+                <a:rPr sz="1371">
+                  <a:solidFill>
+                    <a:srgbClr val="000000">
+                      <a:alpha val="100000"/>
+                    </a:srgbClr>
+                  </a:solidFill>
+                  <a:latin typeface="Arial"/>
+                  <a:cs typeface="Arial"/>
+                </a:rPr>
+                <a:t>I don't want to answer</a:t>
+              </a:r>
+            </a:p>
+          </p:txBody>
+        </p:sp>
+        <p:sp>
+          <p:nvSpPr>
+            <p:cNvPr id="93" name="tx93"/>
+            <p:cNvSpPr/>
+            <p:nvPr/>
+          </p:nvSpPr>
+          <p:spPr>
+            <a:xfrm rot="-2700000">
+              <a:off x="5966825" y="4975508"/>
               <a:ext cx="687330" cy="126716"/>
             </a:xfrm>
             <a:prstGeom prst="rect">
@@ -5223,13 +5913,13 @@
         </p:sp>
         <p:sp>
           <p:nvSpPr>
-            <p:cNvPr id="77" name="tx77"/>
+            <p:cNvPr id="94" name="tx94"/>
             <p:cNvSpPr/>
             <p:nvPr/>
           </p:nvSpPr>
           <p:spPr>
             <a:xfrm rot="-2700000">
-              <a:off x="5391773" y="4899648"/>
+              <a:off x="6512451" y="4899648"/>
               <a:ext cx="561464" cy="163455"/>
             </a:xfrm>
             <a:prstGeom prst="rect">
@@ -5269,13 +5959,13 @@
         </p:sp>
         <p:sp>
           <p:nvSpPr>
-            <p:cNvPr id="78" name="tx78"/>
+            <p:cNvPr id="95" name="tx95"/>
             <p:cNvSpPr/>
             <p:nvPr/>
           </p:nvSpPr>
           <p:spPr>
             <a:xfrm rot="-2700000">
-              <a:off x="5733079" y="5007572"/>
+              <a:off x="6708215" y="5007572"/>
               <a:ext cx="861587" cy="161329"/>
             </a:xfrm>
             <a:prstGeom prst="rect">
@@ -5315,13 +6005,13 @@
         </p:sp>
         <p:sp>
           <p:nvSpPr>
-            <p:cNvPr id="79" name="tx79"/>
+            <p:cNvPr id="96" name="tx96"/>
             <p:cNvSpPr/>
             <p:nvPr/>
           </p:nvSpPr>
           <p:spPr>
             <a:xfrm rot="-2700000">
-              <a:off x="6779978" y="4855717"/>
+              <a:off x="7609571" y="4855717"/>
               <a:ext cx="348512" cy="126716"/>
             </a:xfrm>
             <a:prstGeom prst="rect">
@@ -5361,13 +6051,13 @@
         </p:sp>
         <p:sp>
           <p:nvSpPr>
-            <p:cNvPr id="80" name="tx80"/>
+            <p:cNvPr id="97" name="tx97"/>
             <p:cNvSpPr/>
             <p:nvPr/>
           </p:nvSpPr>
           <p:spPr>
             <a:xfrm rot="-2700000">
-              <a:off x="7001079" y="4976693"/>
+              <a:off x="7685129" y="4976693"/>
               <a:ext cx="774246" cy="161329"/>
             </a:xfrm>
             <a:prstGeom prst="rect">
@@ -5407,53 +6097,7 @@
         </p:sp>
         <p:sp>
           <p:nvSpPr>
-            <p:cNvPr id="81" name="tx81"/>
-            <p:cNvSpPr/>
-            <p:nvPr/>
-          </p:nvSpPr>
-          <p:spPr>
-            <a:xfrm rot="-2700000">
-              <a:off x="6829407" y="5329586"/>
-              <a:ext cx="1688816" cy="126716"/>
-            </a:xfrm>
-            <a:prstGeom prst="rect">
-              <a:avLst/>
-            </a:prstGeom>
-            <a:noFill/>
-          </p:spPr>
-          <p:txBody>
-            <a:bodyPr lIns="0" rIns="0" tIns="0" bIns="0" anchorCtr="1" anchor="ctr" wrap="none"/>
-            <a:lstStyle/>
-            <a:p>
-              <a:pPr algn="l" marL="0" marR="0" indent="0">
-                <a:lnSpc>
-                  <a:spcPts val="1371"/>
-                </a:lnSpc>
-                <a:spcBef>
-                  <a:spcPts val="0"/>
-                </a:spcBef>
-                <a:spcAft>
-                  <a:spcPts val="0"/>
-                </a:spcAft>
-              </a:pPr>
-              <a:r>
-                <a:rPr sz="1371">
-                  <a:solidFill>
-                    <a:srgbClr val="000000">
-                      <a:alpha val="100000"/>
-                    </a:srgbClr>
-                  </a:solidFill>
-                  <a:latin typeface="Arial"/>
-                  <a:cs typeface="Arial"/>
-                </a:rPr>
-                <a:t>I don't want to answer</a:t>
-              </a:r>
-            </a:p>
-          </p:txBody>
-        </p:sp>
-        <p:sp>
-          <p:nvSpPr>
-            <p:cNvPr id="82" name="pl82"/>
+            <p:cNvPr id="98" name="pl98"/>
             <p:cNvSpPr/>
             <p:nvPr/>
           </p:nvSpPr>
@@ -5493,7 +6137,7 @@
         </p:sp>
         <p:sp>
           <p:nvSpPr>
-            <p:cNvPr id="83" name="tx83"/>
+            <p:cNvPr id="99" name="tx99"/>
             <p:cNvSpPr/>
             <p:nvPr/>
           </p:nvSpPr>
@@ -5539,59 +6183,13 @@
         </p:sp>
         <p:sp>
           <p:nvSpPr>
-            <p:cNvPr id="84" name="tx84"/>
-            <p:cNvSpPr/>
-            <p:nvPr/>
-          </p:nvSpPr>
-          <p:spPr>
-            <a:xfrm>
-              <a:off x="797248" y="3907780"/>
-              <a:ext cx="193731" cy="127311"/>
-            </a:xfrm>
-            <a:prstGeom prst="rect">
-              <a:avLst/>
-            </a:prstGeom>
-            <a:noFill/>
-          </p:spPr>
-          <p:txBody>
-            <a:bodyPr lIns="0" rIns="0" tIns="0" bIns="0" anchorCtr="1" anchor="ctr" wrap="none"/>
-            <a:lstStyle/>
-            <a:p>
-              <a:pPr algn="l" marL="0" marR="0" indent="0">
-                <a:lnSpc>
-                  <a:spcPts val="1371"/>
-                </a:lnSpc>
-                <a:spcBef>
-                  <a:spcPts val="0"/>
-                </a:spcBef>
-                <a:spcAft>
-                  <a:spcPts val="0"/>
-                </a:spcAft>
-              </a:pPr>
-              <a:r>
-                <a:rPr sz="1371">
-                  <a:solidFill>
-                    <a:srgbClr val="000000">
-                      <a:alpha val="100000"/>
-                    </a:srgbClr>
-                  </a:solidFill>
-                  <a:latin typeface="Arial"/>
-                  <a:cs typeface="Arial"/>
-                </a:rPr>
-                <a:t>10</a:t>
-              </a:r>
-            </a:p>
-          </p:txBody>
-        </p:sp>
-        <p:sp>
-          <p:nvSpPr>
-            <p:cNvPr id="85" name="tx85"/>
-            <p:cNvSpPr/>
-            <p:nvPr/>
-          </p:nvSpPr>
-          <p:spPr>
-            <a:xfrm>
-              <a:off x="797248" y="3324159"/>
+            <p:cNvPr id="100" name="tx100"/>
+            <p:cNvSpPr/>
+            <p:nvPr/>
+          </p:nvSpPr>
+          <p:spPr>
+            <a:xfrm>
+              <a:off x="797248" y="3690353"/>
               <a:ext cx="193731" cy="127311"/>
             </a:xfrm>
             <a:prstGeom prst="rect">
@@ -5631,59 +6229,13 @@
         </p:sp>
         <p:sp>
           <p:nvSpPr>
-            <p:cNvPr id="86" name="tx86"/>
-            <p:cNvSpPr/>
-            <p:nvPr/>
-          </p:nvSpPr>
-          <p:spPr>
-            <a:xfrm>
-              <a:off x="797248" y="2740452"/>
-              <a:ext cx="193731" cy="127396"/>
-            </a:xfrm>
-            <a:prstGeom prst="rect">
-              <a:avLst/>
-            </a:prstGeom>
-            <a:noFill/>
-          </p:spPr>
-          <p:txBody>
-            <a:bodyPr lIns="0" rIns="0" tIns="0" bIns="0" anchorCtr="1" anchor="ctr" wrap="none"/>
-            <a:lstStyle/>
-            <a:p>
-              <a:pPr algn="l" marL="0" marR="0" indent="0">
-                <a:lnSpc>
-                  <a:spcPts val="1371"/>
-                </a:lnSpc>
-                <a:spcBef>
-                  <a:spcPts val="0"/>
-                </a:spcBef>
-                <a:spcAft>
-                  <a:spcPts val="0"/>
-                </a:spcAft>
-              </a:pPr>
-              <a:r>
-                <a:rPr sz="1371">
-                  <a:solidFill>
-                    <a:srgbClr val="000000">
-                      <a:alpha val="100000"/>
-                    </a:srgbClr>
-                  </a:solidFill>
-                  <a:latin typeface="Arial"/>
-                  <a:cs typeface="Arial"/>
-                </a:rPr>
-                <a:t>30</a:t>
-              </a:r>
-            </a:p>
-          </p:txBody>
-        </p:sp>
-        <p:sp>
-          <p:nvSpPr>
-            <p:cNvPr id="87" name="tx87"/>
-            <p:cNvSpPr/>
-            <p:nvPr/>
-          </p:nvSpPr>
-          <p:spPr>
-            <a:xfrm>
-              <a:off x="797248" y="2156916"/>
+            <p:cNvPr id="101" name="tx101"/>
+            <p:cNvSpPr/>
+            <p:nvPr/>
+          </p:nvSpPr>
+          <p:spPr>
+            <a:xfrm>
+              <a:off x="797248" y="2889303"/>
               <a:ext cx="193731" cy="127311"/>
             </a:xfrm>
             <a:prstGeom prst="rect">
@@ -5723,13 +6275,13 @@
         </p:sp>
         <p:sp>
           <p:nvSpPr>
-            <p:cNvPr id="88" name="tx88"/>
-            <p:cNvSpPr/>
-            <p:nvPr/>
-          </p:nvSpPr>
-          <p:spPr>
-            <a:xfrm>
-              <a:off x="797248" y="1573294"/>
+            <p:cNvPr id="102" name="tx102"/>
+            <p:cNvSpPr/>
+            <p:nvPr/>
+          </p:nvSpPr>
+          <p:spPr>
+            <a:xfrm>
+              <a:off x="797248" y="2088254"/>
               <a:ext cx="193731" cy="127311"/>
             </a:xfrm>
             <a:prstGeom prst="rect">
@@ -5762,14 +6314,14 @@
                   <a:latin typeface="Arial"/>
                   <a:cs typeface="Arial"/>
                 </a:rPr>
-                <a:t>50</a:t>
+                <a:t>60</a:t>
               </a:r>
             </a:p>
           </p:txBody>
         </p:sp>
         <p:sp>
           <p:nvSpPr>
-            <p:cNvPr id="89" name="pl89"/>
+            <p:cNvPr id="103" name="pl103"/>
             <p:cNvSpPr/>
             <p:nvPr/>
           </p:nvSpPr>
@@ -5809,13 +6361,13 @@
         </p:sp>
         <p:sp>
           <p:nvSpPr>
-            <p:cNvPr id="90" name="pl90"/>
-            <p:cNvSpPr/>
-            <p:nvPr/>
-          </p:nvSpPr>
-          <p:spPr>
-            <a:xfrm>
-              <a:off x="1034360" y="3972754"/>
+            <p:cNvPr id="104" name="pl104"/>
+            <p:cNvSpPr/>
+            <p:nvPr/>
+          </p:nvSpPr>
+          <p:spPr>
+            <a:xfrm>
+              <a:off x="1034360" y="3755327"/>
               <a:ext cx="50610" cy="0"/>
             </a:xfrm>
             <a:custGeom>
@@ -5849,13 +6401,13 @@
         </p:sp>
         <p:sp>
           <p:nvSpPr>
-            <p:cNvPr id="91" name="pl91"/>
-            <p:cNvSpPr/>
-            <p:nvPr/>
-          </p:nvSpPr>
-          <p:spPr>
-            <a:xfrm>
-              <a:off x="1034360" y="3389133"/>
+            <p:cNvPr id="105" name="pl105"/>
+            <p:cNvSpPr/>
+            <p:nvPr/>
+          </p:nvSpPr>
+          <p:spPr>
+            <a:xfrm>
+              <a:off x="1034360" y="2954278"/>
               <a:ext cx="50610" cy="0"/>
             </a:xfrm>
             <a:custGeom>
@@ -5889,13 +6441,13 @@
         </p:sp>
         <p:sp>
           <p:nvSpPr>
-            <p:cNvPr id="92" name="pl92"/>
-            <p:cNvSpPr/>
-            <p:nvPr/>
-          </p:nvSpPr>
-          <p:spPr>
-            <a:xfrm>
-              <a:off x="1034360" y="2805511"/>
+            <p:cNvPr id="106" name="pl106"/>
+            <p:cNvSpPr/>
+            <p:nvPr/>
+          </p:nvSpPr>
+          <p:spPr>
+            <a:xfrm>
+              <a:off x="1034360" y="2153228"/>
               <a:ext cx="50610" cy="0"/>
             </a:xfrm>
             <a:custGeom>
@@ -5929,87 +6481,7 @@
         </p:sp>
         <p:sp>
           <p:nvSpPr>
-            <p:cNvPr id="93" name="pl93"/>
-            <p:cNvSpPr/>
-            <p:nvPr/>
-          </p:nvSpPr>
-          <p:spPr>
-            <a:xfrm>
-              <a:off x="1034360" y="2221890"/>
-              <a:ext cx="50610" cy="0"/>
-            </a:xfrm>
-            <a:custGeom>
-              <a:avLst/>
-              <a:pathLst>
-                <a:path w="50610" h="0">
-                  <a:moveTo>
-                    <a:pt x="0" y="0"/>
-                  </a:moveTo>
-                  <a:lnTo>
-                    <a:pt x="50610" y="0"/>
-                  </a:lnTo>
-                </a:path>
-              </a:pathLst>
-            </a:custGeom>
-            <a:ln w="13550" cap="flat">
-              <a:solidFill>
-                <a:srgbClr val="000000">
-                  <a:alpha val="100000"/>
-                </a:srgbClr>
-              </a:solidFill>
-              <a:prstDash val="solid"/>
-              <a:round/>
-            </a:ln>
-          </p:spPr>
-          <p:txBody>
-            <a:bodyPr/>
-            <a:lstStyle/>
-            <a:p/>
-          </p:txBody>
-        </p:sp>
-        <p:sp>
-          <p:nvSpPr>
-            <p:cNvPr id="94" name="pl94"/>
-            <p:cNvSpPr/>
-            <p:nvPr/>
-          </p:nvSpPr>
-          <p:spPr>
-            <a:xfrm>
-              <a:off x="1034360" y="1638268"/>
-              <a:ext cx="50610" cy="0"/>
-            </a:xfrm>
-            <a:custGeom>
-              <a:avLst/>
-              <a:pathLst>
-                <a:path w="50610" h="0">
-                  <a:moveTo>
-                    <a:pt x="0" y="0"/>
-                  </a:moveTo>
-                  <a:lnTo>
-                    <a:pt x="50610" y="0"/>
-                  </a:lnTo>
-                </a:path>
-              </a:pathLst>
-            </a:custGeom>
-            <a:ln w="13550" cap="flat">
-              <a:solidFill>
-                <a:srgbClr val="000000">
-                  <a:alpha val="100000"/>
-                </a:srgbClr>
-              </a:solidFill>
-              <a:prstDash val="solid"/>
-              <a:round/>
-            </a:ln>
-          </p:spPr>
-          <p:txBody>
-            <a:bodyPr/>
-            <a:lstStyle/>
-            <a:p/>
-          </p:txBody>
-        </p:sp>
-        <p:sp>
-          <p:nvSpPr>
-            <p:cNvPr id="95" name="tx95"/>
+            <p:cNvPr id="107" name="tx107"/>
             <p:cNvSpPr/>
             <p:nvPr/>
           </p:nvSpPr>
@@ -6055,7 +6527,7 @@
         </p:sp>
         <p:sp>
           <p:nvSpPr>
-            <p:cNvPr id="96" name="tx96"/>
+            <p:cNvPr id="108" name="tx108"/>
             <p:cNvSpPr/>
             <p:nvPr/>
           </p:nvSpPr>

--- a/results/figures/pptx/impact_sexual_reproductive_health.pptx
+++ b/results/figures/pptx/impact_sexual_reproductive_health.pptx
@@ -2314,7 +2314,7 @@
           </p:nvSpPr>
           <p:spPr>
             <a:xfrm>
-              <a:off x="1084970" y="3755327"/>
+              <a:off x="1084970" y="3722631"/>
               <a:ext cx="3699694" cy="0"/>
             </a:xfrm>
             <a:custGeom>
@@ -2357,7 +2357,7 @@
           </p:nvSpPr>
           <p:spPr>
             <a:xfrm>
-              <a:off x="1084970" y="2954278"/>
+              <a:off x="1084970" y="2888886"/>
               <a:ext cx="3699694" cy="0"/>
             </a:xfrm>
             <a:custGeom>
@@ -2400,7 +2400,7 @@
           </p:nvSpPr>
           <p:spPr>
             <a:xfrm>
-              <a:off x="1084970" y="2153228"/>
+              <a:off x="1084970" y="2055141"/>
               <a:ext cx="3699694" cy="0"/>
             </a:xfrm>
             <a:custGeom>
@@ -2443,8 +2443,8 @@
           </p:nvSpPr>
           <p:spPr>
             <a:xfrm>
-              <a:off x="1152648" y="4075746"/>
-              <a:ext cx="406064" cy="480629"/>
+              <a:off x="1152648" y="4056129"/>
+              <a:ext cx="406064" cy="500246"/>
             </a:xfrm>
             <a:prstGeom prst="rect">
               <a:avLst/>
@@ -2495,8 +2495,8 @@
           </p:nvSpPr>
           <p:spPr>
             <a:xfrm>
-              <a:off x="2055012" y="4316061"/>
-              <a:ext cx="406064" cy="240314"/>
+              <a:off x="2055012" y="4222878"/>
+              <a:ext cx="406064" cy="333497"/>
             </a:xfrm>
             <a:prstGeom prst="rect">
               <a:avLst/>
@@ -2521,8 +2521,8 @@
           </p:nvSpPr>
           <p:spPr>
             <a:xfrm>
-              <a:off x="2506194" y="3154540"/>
-              <a:ext cx="406064" cy="1401835"/>
+              <a:off x="2506194" y="3013948"/>
+              <a:ext cx="406064" cy="1542428"/>
             </a:xfrm>
             <a:prstGeom prst="rect">
               <a:avLst/>
@@ -2547,8 +2547,8 @@
           </p:nvSpPr>
           <p:spPr>
             <a:xfrm>
-              <a:off x="2957376" y="4396166"/>
-              <a:ext cx="406064" cy="160209"/>
+              <a:off x="2957376" y="4389627"/>
+              <a:ext cx="406064" cy="166748"/>
             </a:xfrm>
             <a:prstGeom prst="rect">
               <a:avLst/>
@@ -2573,8 +2573,8 @@
           </p:nvSpPr>
           <p:spPr>
             <a:xfrm>
-              <a:off x="3408559" y="4235956"/>
-              <a:ext cx="406064" cy="320419"/>
+              <a:off x="3408559" y="4181191"/>
+              <a:ext cx="406064" cy="375185"/>
             </a:xfrm>
             <a:prstGeom prst="rect">
               <a:avLst/>
@@ -2599,8 +2599,8 @@
           </p:nvSpPr>
           <p:spPr>
             <a:xfrm>
-              <a:off x="3859741" y="4035694"/>
-              <a:ext cx="406064" cy="520681"/>
+              <a:off x="3859741" y="3972754"/>
+              <a:ext cx="406064" cy="583621"/>
             </a:xfrm>
             <a:prstGeom prst="rect">
               <a:avLst/>
@@ -2625,8 +2625,8 @@
           </p:nvSpPr>
           <p:spPr>
             <a:xfrm>
-              <a:off x="4310923" y="3875484"/>
-              <a:ext cx="406064" cy="680891"/>
+              <a:off x="4310923" y="3847693"/>
+              <a:ext cx="406064" cy="708683"/>
             </a:xfrm>
             <a:prstGeom prst="rect">
               <a:avLst/>
@@ -2651,7 +2651,7 @@
           </p:nvSpPr>
           <p:spPr>
             <a:xfrm>
-              <a:off x="1275293" y="3607919"/>
+              <a:off x="1275293" y="3588302"/>
               <a:ext cx="160772" cy="103888"/>
             </a:xfrm>
             <a:prstGeom prst="rect">
@@ -2697,7 +2697,7 @@
           </p:nvSpPr>
           <p:spPr>
             <a:xfrm>
-              <a:off x="1203094" y="3784298"/>
+              <a:off x="1203094" y="3764680"/>
               <a:ext cx="305171" cy="135647"/>
             </a:xfrm>
             <a:prstGeom prst="rect">
@@ -2776,7 +2776,7 @@
                   <a:latin typeface="Arial"/>
                   <a:cs typeface="Arial"/>
                 </a:rPr>
-                <a:t>51</a:t>
+                <a:t>49</a:t>
               </a:r>
             </a:p>
           </p:txBody>
@@ -2822,7 +2822,7 @@
                   <a:latin typeface="Arial"/>
                   <a:cs typeface="Arial"/>
                 </a:rPr>
-                <a:t>(35%)</a:t>
+                <a:t>(33%)</a:t>
               </a:r>
             </a:p>
           </p:txBody>
@@ -2835,7 +2835,7 @@
           </p:nvSpPr>
           <p:spPr>
             <a:xfrm>
-              <a:off x="2217851" y="3846470"/>
+              <a:off x="2217851" y="3753287"/>
               <a:ext cx="80386" cy="105652"/>
             </a:xfrm>
             <a:prstGeom prst="rect">
@@ -2868,7 +2868,7 @@
                   <a:latin typeface="Arial"/>
                   <a:cs typeface="Arial"/>
                 </a:rPr>
-                <a:t>6</a:t>
+                <a:t>8</a:t>
               </a:r>
             </a:p>
           </p:txBody>
@@ -2881,7 +2881,7 @@
           </p:nvSpPr>
           <p:spPr>
             <a:xfrm>
-              <a:off x="2105458" y="4024613"/>
+              <a:off x="2105458" y="3931429"/>
               <a:ext cx="305171" cy="135647"/>
             </a:xfrm>
             <a:prstGeom prst="rect">
@@ -2914,7 +2914,7 @@
                   <a:latin typeface="Arial"/>
                   <a:cs typeface="Arial"/>
                 </a:rPr>
-                <a:t>(4%)</a:t>
+                <a:t>(5%)</a:t>
               </a:r>
             </a:p>
           </p:txBody>
@@ -2927,7 +2927,7 @@
           </p:nvSpPr>
           <p:spPr>
             <a:xfrm>
-              <a:off x="2628840" y="2684878"/>
+              <a:off x="2628840" y="2544286"/>
               <a:ext cx="160772" cy="105723"/>
             </a:xfrm>
             <a:prstGeom prst="rect">
@@ -2960,7 +2960,7 @@
                   <a:latin typeface="Arial"/>
                   <a:cs typeface="Arial"/>
                 </a:rPr>
-                <a:t>35</a:t>
+                <a:t>37</a:t>
               </a:r>
             </a:p>
           </p:txBody>
@@ -2973,7 +2973,7 @@
           </p:nvSpPr>
           <p:spPr>
             <a:xfrm>
-              <a:off x="2516447" y="2863091"/>
+              <a:off x="2516447" y="2722499"/>
               <a:ext cx="385557" cy="135647"/>
             </a:xfrm>
             <a:prstGeom prst="rect">
@@ -3006,7 +3006,7 @@
                   <a:latin typeface="Arial"/>
                   <a:cs typeface="Arial"/>
                 </a:rPr>
-                <a:t>(24%)</a:t>
+                <a:t>(25%)</a:t>
               </a:r>
             </a:p>
           </p:txBody>
@@ -3019,7 +3019,7 @@
           </p:nvSpPr>
           <p:spPr>
             <a:xfrm>
-              <a:off x="3120215" y="3928763"/>
+              <a:off x="3120215" y="3922223"/>
               <a:ext cx="80386" cy="103464"/>
             </a:xfrm>
             <a:prstGeom prst="rect">
@@ -3065,7 +3065,7 @@
           </p:nvSpPr>
           <p:spPr>
             <a:xfrm>
-              <a:off x="3007823" y="4104717"/>
+              <a:off x="3007823" y="4098178"/>
               <a:ext cx="305171" cy="135647"/>
             </a:xfrm>
             <a:prstGeom prst="rect">
@@ -3111,7 +3111,7 @@
           </p:nvSpPr>
           <p:spPr>
             <a:xfrm>
-              <a:off x="3571398" y="3766365"/>
+              <a:off x="3571398" y="3711599"/>
               <a:ext cx="80386" cy="105652"/>
             </a:xfrm>
             <a:prstGeom prst="rect">
@@ -3144,7 +3144,7 @@
                   <a:latin typeface="Arial"/>
                   <a:cs typeface="Arial"/>
                 </a:rPr>
-                <a:t>8</a:t>
+                <a:t>9</a:t>
               </a:r>
             </a:p>
           </p:txBody>
@@ -3157,7 +3157,7 @@
           </p:nvSpPr>
           <p:spPr>
             <a:xfrm>
-              <a:off x="3459005" y="3944508"/>
+              <a:off x="3459005" y="3889742"/>
               <a:ext cx="305171" cy="135647"/>
             </a:xfrm>
             <a:prstGeom prst="rect">
@@ -3190,7 +3190,7 @@
                   <a:latin typeface="Arial"/>
                   <a:cs typeface="Arial"/>
                 </a:rPr>
-                <a:t>(5%)</a:t>
+                <a:t>(6%)</a:t>
               </a:r>
             </a:p>
           </p:txBody>
@@ -3203,8 +3203,8 @@
           </p:nvSpPr>
           <p:spPr>
             <a:xfrm>
-              <a:off x="3982387" y="3566032"/>
-              <a:ext cx="160772" cy="105723"/>
+              <a:off x="3982387" y="3504927"/>
+              <a:ext cx="160772" cy="103888"/>
             </a:xfrm>
             <a:prstGeom prst="rect">
               <a:avLst/>
@@ -3236,7 +3236,7 @@
                   <a:latin typeface="Arial"/>
                   <a:cs typeface="Arial"/>
                 </a:rPr>
-                <a:t>13</a:t>
+                <a:t>14</a:t>
               </a:r>
             </a:p>
           </p:txBody>
@@ -3249,7 +3249,7 @@
           </p:nvSpPr>
           <p:spPr>
             <a:xfrm>
-              <a:off x="3910187" y="3744245"/>
+              <a:off x="3910187" y="3681306"/>
               <a:ext cx="305171" cy="135647"/>
             </a:xfrm>
             <a:prstGeom prst="rect">
@@ -3295,7 +3295,7 @@
           </p:nvSpPr>
           <p:spPr>
             <a:xfrm>
-              <a:off x="4433569" y="3407657"/>
+              <a:off x="4433569" y="3379866"/>
               <a:ext cx="160772" cy="103888"/>
             </a:xfrm>
             <a:prstGeom prst="rect">
@@ -3341,7 +3341,7 @@
           </p:nvSpPr>
           <p:spPr>
             <a:xfrm>
-              <a:off x="4321176" y="3584036"/>
+              <a:off x="4321176" y="3556244"/>
               <a:ext cx="385557" cy="135647"/>
             </a:xfrm>
             <a:prstGeom prst="rect">
@@ -3374,7 +3374,7 @@
                   <a:latin typeface="Arial"/>
                   <a:cs typeface="Arial"/>
                 </a:rPr>
-                <a:t>(12%)</a:t>
+                <a:t>(11%)</a:t>
               </a:r>
             </a:p>
           </p:txBody>
@@ -3430,7 +3430,7 @@
           </p:nvSpPr>
           <p:spPr>
             <a:xfrm>
-              <a:off x="4885885" y="3755327"/>
+              <a:off x="4885885" y="3722631"/>
               <a:ext cx="3699694" cy="0"/>
             </a:xfrm>
             <a:custGeom>
@@ -3473,7 +3473,7 @@
           </p:nvSpPr>
           <p:spPr>
             <a:xfrm>
-              <a:off x="4885885" y="2954278"/>
+              <a:off x="4885885" y="2888886"/>
               <a:ext cx="3699694" cy="0"/>
             </a:xfrm>
             <a:custGeom>
@@ -3516,7 +3516,7 @@
           </p:nvSpPr>
           <p:spPr>
             <a:xfrm>
-              <a:off x="4885885" y="2153228"/>
+              <a:off x="4885885" y="2055141"/>
               <a:ext cx="3699694" cy="0"/>
             </a:xfrm>
             <a:custGeom>
@@ -3559,8 +3559,8 @@
           </p:nvSpPr>
           <p:spPr>
             <a:xfrm>
-              <a:off x="4953562" y="3875484"/>
-              <a:ext cx="406064" cy="680891"/>
+              <a:off x="4953562" y="3847693"/>
+              <a:ext cx="406064" cy="708683"/>
             </a:xfrm>
             <a:prstGeom prst="rect">
               <a:avLst/>
@@ -3585,8 +3585,8 @@
           </p:nvSpPr>
           <p:spPr>
             <a:xfrm>
-              <a:off x="5404744" y="3995641"/>
-              <a:ext cx="406064" cy="560734"/>
+              <a:off x="5404744" y="4056129"/>
+              <a:ext cx="406064" cy="500246"/>
             </a:xfrm>
             <a:prstGeom prst="rect">
               <a:avLst/>
@@ -3611,8 +3611,8 @@
           </p:nvSpPr>
           <p:spPr>
             <a:xfrm>
-              <a:off x="5855927" y="4356114"/>
-              <a:ext cx="406064" cy="200262"/>
+              <a:off x="5855927" y="4264565"/>
+              <a:ext cx="406064" cy="291810"/>
             </a:xfrm>
             <a:prstGeom prst="rect">
               <a:avLst/>
@@ -3637,8 +3637,8 @@
           </p:nvSpPr>
           <p:spPr>
             <a:xfrm>
-              <a:off x="6307109" y="3875484"/>
-              <a:ext cx="406064" cy="680891"/>
+              <a:off x="6307109" y="3722631"/>
+              <a:ext cx="406064" cy="833744"/>
             </a:xfrm>
             <a:prstGeom prst="rect">
               <a:avLst/>
@@ -3663,8 +3663,8 @@
           </p:nvSpPr>
           <p:spPr>
             <a:xfrm>
-              <a:off x="6758291" y="3835432"/>
-              <a:ext cx="406064" cy="720944"/>
+              <a:off x="6758291" y="3847693"/>
+              <a:ext cx="406064" cy="708683"/>
             </a:xfrm>
             <a:prstGeom prst="rect">
               <a:avLst/>
@@ -3689,8 +3689,8 @@
           </p:nvSpPr>
           <p:spPr>
             <a:xfrm>
-              <a:off x="7209473" y="3755327"/>
-              <a:ext cx="406064" cy="801049"/>
+              <a:off x="7209473" y="3639256"/>
+              <a:ext cx="406064" cy="917119"/>
             </a:xfrm>
             <a:prstGeom prst="rect">
               <a:avLst/>
@@ -3715,8 +3715,8 @@
           </p:nvSpPr>
           <p:spPr>
             <a:xfrm>
-              <a:off x="7660656" y="3354802"/>
-              <a:ext cx="406064" cy="1201573"/>
+              <a:off x="7660656" y="3222384"/>
+              <a:ext cx="406064" cy="1333991"/>
             </a:xfrm>
             <a:prstGeom prst="rect">
               <a:avLst/>
@@ -3741,8 +3741,8 @@
           </p:nvSpPr>
           <p:spPr>
             <a:xfrm>
-              <a:off x="8111838" y="3555064"/>
-              <a:ext cx="406064" cy="1001311"/>
+              <a:off x="8111838" y="3597569"/>
+              <a:ext cx="406064" cy="958806"/>
             </a:xfrm>
             <a:prstGeom prst="rect">
               <a:avLst/>
@@ -3767,7 +3767,7 @@
           </p:nvSpPr>
           <p:spPr>
             <a:xfrm>
-              <a:off x="5076208" y="3407657"/>
+              <a:off x="5076208" y="3379866"/>
               <a:ext cx="160772" cy="103888"/>
             </a:xfrm>
             <a:prstGeom prst="rect">
@@ -3813,7 +3813,7 @@
           </p:nvSpPr>
           <p:spPr>
             <a:xfrm>
-              <a:off x="4963815" y="3584036"/>
+              <a:off x="4963815" y="3556244"/>
               <a:ext cx="385557" cy="135647"/>
             </a:xfrm>
             <a:prstGeom prst="rect">
@@ -3846,7 +3846,7 @@
                   <a:latin typeface="Arial"/>
                   <a:cs typeface="Arial"/>
                 </a:rPr>
-                <a:t>(12%)</a:t>
+                <a:t>(11%)</a:t>
               </a:r>
             </a:p>
           </p:txBody>
@@ -3859,7 +3859,7 @@
           </p:nvSpPr>
           <p:spPr>
             <a:xfrm>
-              <a:off x="5527390" y="3527815"/>
+              <a:off x="5527390" y="3588302"/>
               <a:ext cx="160772" cy="103888"/>
             </a:xfrm>
             <a:prstGeom prst="rect">
@@ -3892,7 +3892,7 @@
                   <a:latin typeface="Arial"/>
                   <a:cs typeface="Arial"/>
                 </a:rPr>
-                <a:t>14</a:t>
+                <a:t>12</a:t>
               </a:r>
             </a:p>
           </p:txBody>
@@ -3905,8 +3905,8 @@
           </p:nvSpPr>
           <p:spPr>
             <a:xfrm>
-              <a:off x="5414998" y="3704193"/>
-              <a:ext cx="385557" cy="135647"/>
+              <a:off x="5455191" y="3764680"/>
+              <a:ext cx="305171" cy="135647"/>
             </a:xfrm>
             <a:prstGeom prst="rect">
               <a:avLst/>
@@ -3938,7 +3938,7 @@
                   <a:latin typeface="Arial"/>
                   <a:cs typeface="Arial"/>
                 </a:rPr>
-                <a:t>(10%)</a:t>
+                <a:t>(8%)</a:t>
               </a:r>
             </a:p>
           </p:txBody>
@@ -3951,8 +3951,8 @@
           </p:nvSpPr>
           <p:spPr>
             <a:xfrm>
-              <a:off x="6018765" y="3888357"/>
-              <a:ext cx="80386" cy="103817"/>
+              <a:off x="6018765" y="3798503"/>
+              <a:ext cx="80386" cy="102123"/>
             </a:xfrm>
             <a:prstGeom prst="rect">
               <a:avLst/>
@@ -3984,7 +3984,7 @@
                   <a:latin typeface="Arial"/>
                   <a:cs typeface="Arial"/>
                 </a:rPr>
-                <a:t>5</a:t>
+                <a:t>7</a:t>
               </a:r>
             </a:p>
           </p:txBody>
@@ -3997,7 +3997,7 @@
           </p:nvSpPr>
           <p:spPr>
             <a:xfrm>
-              <a:off x="5906373" y="4064665"/>
+              <a:off x="5906373" y="3973117"/>
               <a:ext cx="305171" cy="135647"/>
             </a:xfrm>
             <a:prstGeom prst="rect">
@@ -4030,7 +4030,7 @@
                   <a:latin typeface="Arial"/>
                   <a:cs typeface="Arial"/>
                 </a:rPr>
-                <a:t>(3%)</a:t>
+                <a:t>(5%)</a:t>
               </a:r>
             </a:p>
           </p:txBody>
@@ -4043,7 +4043,99 @@
           </p:nvSpPr>
           <p:spPr>
             <a:xfrm>
-              <a:off x="6429755" y="3407657"/>
+              <a:off x="6429755" y="3253040"/>
+              <a:ext cx="160772" cy="105652"/>
+            </a:xfrm>
+            <a:prstGeom prst="rect">
+              <a:avLst/>
+            </a:prstGeom>
+            <a:noFill/>
+          </p:spPr>
+          <p:txBody>
+            <a:bodyPr lIns="0" rIns="0" tIns="0" bIns="0" anchorCtr="1" anchor="ctr" wrap="none"/>
+            <a:lstStyle/>
+            <a:p>
+              <a:pPr algn="l" marL="0" marR="0" indent="0">
+                <a:lnSpc>
+                  <a:spcPts val="1138"/>
+                </a:lnSpc>
+                <a:spcBef>
+                  <a:spcPts val="0"/>
+                </a:spcBef>
+                <a:spcAft>
+                  <a:spcPts val="0"/>
+                </a:spcAft>
+              </a:pPr>
+              <a:r>
+                <a:rPr sz="1138">
+                  <a:solidFill>
+                    <a:srgbClr val="000000">
+                      <a:alpha val="100000"/>
+                    </a:srgbClr>
+                  </a:solidFill>
+                  <a:latin typeface="Arial"/>
+                  <a:cs typeface="Arial"/>
+                </a:rPr>
+                <a:t>20</a:t>
+              </a:r>
+            </a:p>
+          </p:txBody>
+        </p:sp>
+        <p:sp>
+          <p:nvSpPr>
+            <p:cNvPr id="51" name="tx51"/>
+            <p:cNvSpPr/>
+            <p:nvPr/>
+          </p:nvSpPr>
+          <p:spPr>
+            <a:xfrm>
+              <a:off x="6317362" y="3431182"/>
+              <a:ext cx="385557" cy="135647"/>
+            </a:xfrm>
+            <a:prstGeom prst="rect">
+              <a:avLst/>
+            </a:prstGeom>
+            <a:noFill/>
+          </p:spPr>
+          <p:txBody>
+            <a:bodyPr lIns="0" rIns="0" tIns="0" bIns="0" anchorCtr="1" anchor="ctr" wrap="none"/>
+            <a:lstStyle/>
+            <a:p>
+              <a:pPr algn="l" marL="0" marR="0" indent="0">
+                <a:lnSpc>
+                  <a:spcPts val="1138"/>
+                </a:lnSpc>
+                <a:spcBef>
+                  <a:spcPts val="0"/>
+                </a:spcBef>
+                <a:spcAft>
+                  <a:spcPts val="0"/>
+                </a:spcAft>
+              </a:pPr>
+              <a:r>
+                <a:rPr sz="1138">
+                  <a:solidFill>
+                    <a:srgbClr val="000000">
+                      <a:alpha val="100000"/>
+                    </a:srgbClr>
+                  </a:solidFill>
+                  <a:latin typeface="Arial"/>
+                  <a:cs typeface="Arial"/>
+                </a:rPr>
+                <a:t>(13%)</a:t>
+              </a:r>
+            </a:p>
+          </p:txBody>
+        </p:sp>
+        <p:sp>
+          <p:nvSpPr>
+            <p:cNvPr id="52" name="tx52"/>
+            <p:cNvSpPr/>
+            <p:nvPr/>
+          </p:nvSpPr>
+          <p:spPr>
+            <a:xfrm>
+              <a:off x="6880937" y="3379866"/>
               <a:ext cx="160772" cy="103888"/>
             </a:xfrm>
             <a:prstGeom prst="rect">
@@ -4083,13 +4175,13 @@
         </p:sp>
         <p:sp>
           <p:nvSpPr>
-            <p:cNvPr id="51" name="tx51"/>
-            <p:cNvSpPr/>
-            <p:nvPr/>
-          </p:nvSpPr>
-          <p:spPr>
-            <a:xfrm>
-              <a:off x="6317362" y="3584036"/>
+            <p:cNvPr id="53" name="tx53"/>
+            <p:cNvSpPr/>
+            <p:nvPr/>
+          </p:nvSpPr>
+          <p:spPr>
+            <a:xfrm>
+              <a:off x="6768544" y="3556244"/>
               <a:ext cx="385557" cy="135647"/>
             </a:xfrm>
             <a:prstGeom prst="rect">
@@ -4122,21 +4214,21 @@
                   <a:latin typeface="Arial"/>
                   <a:cs typeface="Arial"/>
                 </a:rPr>
-                <a:t>(12%)</a:t>
+                <a:t>(11%)</a:t>
               </a:r>
             </a:p>
           </p:txBody>
         </p:sp>
         <p:sp>
           <p:nvSpPr>
-            <p:cNvPr id="52" name="tx52"/>
-            <p:cNvSpPr/>
-            <p:nvPr/>
-          </p:nvSpPr>
-          <p:spPr>
-            <a:xfrm>
-              <a:off x="6880937" y="3365840"/>
-              <a:ext cx="160772" cy="105652"/>
+            <p:cNvPr id="54" name="tx54"/>
+            <p:cNvSpPr/>
+            <p:nvPr/>
+          </p:nvSpPr>
+          <p:spPr>
+            <a:xfrm>
+              <a:off x="7332119" y="3171429"/>
+              <a:ext cx="160772" cy="103888"/>
             </a:xfrm>
             <a:prstGeom prst="rect">
               <a:avLst/>
@@ -4168,20 +4260,20 @@
                   <a:latin typeface="Arial"/>
                   <a:cs typeface="Arial"/>
                 </a:rPr>
-                <a:t>18</a:t>
+                <a:t>22</a:t>
               </a:r>
             </a:p>
           </p:txBody>
         </p:sp>
         <p:sp>
           <p:nvSpPr>
-            <p:cNvPr id="53" name="tx53"/>
-            <p:cNvSpPr/>
-            <p:nvPr/>
-          </p:nvSpPr>
-          <p:spPr>
-            <a:xfrm>
-              <a:off x="6768544" y="3543983"/>
+            <p:cNvPr id="55" name="tx55"/>
+            <p:cNvSpPr/>
+            <p:nvPr/>
+          </p:nvSpPr>
+          <p:spPr>
+            <a:xfrm>
+              <a:off x="7219726" y="3347808"/>
               <a:ext cx="385557" cy="135647"/>
             </a:xfrm>
             <a:prstGeom prst="rect">
@@ -4214,21 +4306,21 @@
                   <a:latin typeface="Arial"/>
                   <a:cs typeface="Arial"/>
                 </a:rPr>
-                <a:t>(12%)</a:t>
+                <a:t>(15%)</a:t>
               </a:r>
             </a:p>
           </p:txBody>
         </p:sp>
         <p:sp>
           <p:nvSpPr>
-            <p:cNvPr id="54" name="tx54"/>
-            <p:cNvSpPr/>
-            <p:nvPr/>
-          </p:nvSpPr>
-          <p:spPr>
-            <a:xfrm>
-              <a:off x="7332119" y="3285735"/>
-              <a:ext cx="160772" cy="105652"/>
+            <p:cNvPr id="56" name="tx56"/>
+            <p:cNvSpPr/>
+            <p:nvPr/>
+          </p:nvSpPr>
+          <p:spPr>
+            <a:xfrm>
+              <a:off x="7783301" y="2752722"/>
+              <a:ext cx="160772" cy="105723"/>
             </a:xfrm>
             <a:prstGeom prst="rect">
               <a:avLst/>
@@ -4260,112 +4352,20 @@
                   <a:latin typeface="Arial"/>
                   <a:cs typeface="Arial"/>
                 </a:rPr>
-                <a:t>20</a:t>
+                <a:t>32</a:t>
               </a:r>
             </a:p>
           </p:txBody>
         </p:sp>
         <p:sp>
           <p:nvSpPr>
-            <p:cNvPr id="55" name="tx55"/>
-            <p:cNvSpPr/>
-            <p:nvPr/>
-          </p:nvSpPr>
-          <p:spPr>
-            <a:xfrm>
-              <a:off x="7219726" y="3463878"/>
-              <a:ext cx="385557" cy="135647"/>
-            </a:xfrm>
-            <a:prstGeom prst="rect">
-              <a:avLst/>
-            </a:prstGeom>
-            <a:noFill/>
-          </p:spPr>
-          <p:txBody>
-            <a:bodyPr lIns="0" rIns="0" tIns="0" bIns="0" anchorCtr="1" anchor="ctr" wrap="none"/>
-            <a:lstStyle/>
-            <a:p>
-              <a:pPr algn="l" marL="0" marR="0" indent="0">
-                <a:lnSpc>
-                  <a:spcPts val="1138"/>
-                </a:lnSpc>
-                <a:spcBef>
-                  <a:spcPts val="0"/>
-                </a:spcBef>
-                <a:spcAft>
-                  <a:spcPts val="0"/>
-                </a:spcAft>
-              </a:pPr>
-              <a:r>
-                <a:rPr sz="1138">
-                  <a:solidFill>
-                    <a:srgbClr val="000000">
-                      <a:alpha val="100000"/>
-                    </a:srgbClr>
-                  </a:solidFill>
-                  <a:latin typeface="Arial"/>
-                  <a:cs typeface="Arial"/>
-                </a:rPr>
-                <a:t>(14%)</a:t>
-              </a:r>
-            </a:p>
-          </p:txBody>
-        </p:sp>
-        <p:sp>
-          <p:nvSpPr>
-            <p:cNvPr id="56" name="tx56"/>
-            <p:cNvSpPr/>
-            <p:nvPr/>
-          </p:nvSpPr>
-          <p:spPr>
-            <a:xfrm>
-              <a:off x="7783301" y="2885140"/>
-              <a:ext cx="160772" cy="105723"/>
-            </a:xfrm>
-            <a:prstGeom prst="rect">
-              <a:avLst/>
-            </a:prstGeom>
-            <a:noFill/>
-          </p:spPr>
-          <p:txBody>
-            <a:bodyPr lIns="0" rIns="0" tIns="0" bIns="0" anchorCtr="1" anchor="ctr" wrap="none"/>
-            <a:lstStyle/>
-            <a:p>
-              <a:pPr algn="l" marL="0" marR="0" indent="0">
-                <a:lnSpc>
-                  <a:spcPts val="1138"/>
-                </a:lnSpc>
-                <a:spcBef>
-                  <a:spcPts val="0"/>
-                </a:spcBef>
-                <a:spcAft>
-                  <a:spcPts val="0"/>
-                </a:spcAft>
-              </a:pPr>
-              <a:r>
-                <a:rPr sz="1138">
-                  <a:solidFill>
-                    <a:srgbClr val="000000">
-                      <a:alpha val="100000"/>
-                    </a:srgbClr>
-                  </a:solidFill>
-                  <a:latin typeface="Arial"/>
-                  <a:cs typeface="Arial"/>
-                </a:rPr>
-                <a:t>30</a:t>
-              </a:r>
-            </a:p>
-          </p:txBody>
-        </p:sp>
-        <p:sp>
-          <p:nvSpPr>
             <p:cNvPr id="57" name="tx57"/>
             <p:cNvSpPr/>
             <p:nvPr/>
           </p:nvSpPr>
           <p:spPr>
             <a:xfrm>
-              <a:off x="7670909" y="3063354"/>
+              <a:off x="7670909" y="2930935"/>
               <a:ext cx="385557" cy="135647"/>
             </a:xfrm>
             <a:prstGeom prst="rect">
@@ -4411,8 +4411,8 @@
           </p:nvSpPr>
           <p:spPr>
             <a:xfrm>
-              <a:off x="8234483" y="3085473"/>
-              <a:ext cx="160772" cy="105652"/>
+              <a:off x="8234483" y="3127907"/>
+              <a:ext cx="160772" cy="105723"/>
             </a:xfrm>
             <a:prstGeom prst="rect">
               <a:avLst/>
@@ -4444,7 +4444,7 @@
                   <a:latin typeface="Arial"/>
                   <a:cs typeface="Arial"/>
                 </a:rPr>
-                <a:t>25</a:t>
+                <a:t>23</a:t>
               </a:r>
             </a:p>
           </p:txBody>
@@ -4457,7 +4457,7 @@
           </p:nvSpPr>
           <p:spPr>
             <a:xfrm>
-              <a:off x="8122091" y="3263616"/>
+              <a:off x="8122091" y="3306121"/>
               <a:ext cx="385557" cy="135647"/>
             </a:xfrm>
             <a:prstGeom prst="rect">
@@ -4490,7 +4490,7 @@
                   <a:latin typeface="Arial"/>
                   <a:cs typeface="Arial"/>
                 </a:rPr>
-                <a:t>(17%)</a:t>
+                <a:t>(15%)</a:t>
               </a:r>
             </a:p>
           </p:txBody>
@@ -4562,7 +4562,7 @@
                   <a:latin typeface="Arial"/>
                   <a:cs typeface="Arial"/>
                 </a:rPr>
-                <a:t>Reproductive life (N = 146)</a:t>
+                <a:t>Reproductive life (N = 150)</a:t>
               </a:r>
             </a:p>
           </p:txBody>
@@ -4634,7 +4634,7 @@
                   <a:latin typeface="Arial"/>
                   <a:cs typeface="Arial"/>
                 </a:rPr>
-                <a:t>Sexual life (N = 146)</a:t>
+                <a:t>Sexual life (N = 150)</a:t>
               </a:r>
             </a:p>
           </p:txBody>
@@ -6189,7 +6189,7 @@
           </p:nvSpPr>
           <p:spPr>
             <a:xfrm>
-              <a:off x="797248" y="3690353"/>
+              <a:off x="797248" y="3657657"/>
               <a:ext cx="193731" cy="127311"/>
             </a:xfrm>
             <a:prstGeom prst="rect">
@@ -6235,7 +6235,7 @@
           </p:nvSpPr>
           <p:spPr>
             <a:xfrm>
-              <a:off x="797248" y="2889303"/>
+              <a:off x="797248" y="2823912"/>
               <a:ext cx="193731" cy="127311"/>
             </a:xfrm>
             <a:prstGeom prst="rect">
@@ -6281,7 +6281,7 @@
           </p:nvSpPr>
           <p:spPr>
             <a:xfrm>
-              <a:off x="797248" y="2088254"/>
+              <a:off x="797248" y="1990167"/>
               <a:ext cx="193731" cy="127311"/>
             </a:xfrm>
             <a:prstGeom prst="rect">
@@ -6367,7 +6367,7 @@
           </p:nvSpPr>
           <p:spPr>
             <a:xfrm>
-              <a:off x="1034360" y="3755327"/>
+              <a:off x="1034360" y="3722631"/>
               <a:ext cx="50610" cy="0"/>
             </a:xfrm>
             <a:custGeom>
@@ -6407,7 +6407,7 @@
           </p:nvSpPr>
           <p:spPr>
             <a:xfrm>
-              <a:off x="1034360" y="2954278"/>
+              <a:off x="1034360" y="2888886"/>
               <a:ext cx="50610" cy="0"/>
             </a:xfrm>
             <a:custGeom>
@@ -6447,7 +6447,7 @@
           </p:nvSpPr>
           <p:spPr>
             <a:xfrm>
-              <a:off x="1034360" y="2153228"/>
+              <a:off x="1034360" y="2055141"/>
               <a:ext cx="50610" cy="0"/>
             </a:xfrm>
             <a:custGeom>
